--- a/assets/images/od/ssd.pptx
+++ b/assets/images/od/ssd.pptx
@@ -5,11 +5,14 @@
     <p:sldMasterId id="2147483648" r:id="rId1"/>
   </p:sldMasterIdLst>
   <p:sldIdLst>
-    <p:sldId id="256" r:id="rId2"/>
-    <p:sldId id="257" r:id="rId3"/>
-    <p:sldId id="259" r:id="rId4"/>
-    <p:sldId id="258" r:id="rId5"/>
-    <p:sldId id="260" r:id="rId6"/>
+    <p:sldId id="257" r:id="rId2"/>
+    <p:sldId id="259" r:id="rId3"/>
+    <p:sldId id="261" r:id="rId4"/>
+    <p:sldId id="262" r:id="rId5"/>
+    <p:sldId id="263" r:id="rId6"/>
+    <p:sldId id="258" r:id="rId7"/>
+    <p:sldId id="260" r:id="rId8"/>
+    <p:sldId id="264" r:id="rId9"/>
   </p:sldIdLst>
   <p:sldSz cx="12192000" cy="6858000"/>
   <p:notesSz cx="6858000" cy="9144000"/>
@@ -108,6 +111,11 @@
       </a:defRPr>
     </a:lvl9pPr>
   </p:defaultTextStyle>
+  <p:extLst>
+    <p:ext uri="{EFAFB233-063F-42B5-8137-9DF3F51BA10A}">
+      <p15:sldGuideLst xmlns:p15="http://schemas.microsoft.com/office/powerpoint/2012/main"/>
+    </p:ext>
+  </p:extLst>
 </p:presentation>
 </file>
 
@@ -242,7 +250,7 @@
           <a:p>
             <a:fld id="{44C45681-1F18-48D6-B67C-99C3BD305862}" type="datetimeFigureOut">
               <a:rPr lang="ko-KR" altLang="en-US" smtClean="0"/>
-              <a:t>2020-07-08</a:t>
+              <a:t>2020-07-14</a:t>
             </a:fld>
             <a:endParaRPr lang="ko-KR" altLang="en-US"/>
           </a:p>
@@ -412,7 +420,7 @@
           <a:p>
             <a:fld id="{44C45681-1F18-48D6-B67C-99C3BD305862}" type="datetimeFigureOut">
               <a:rPr lang="ko-KR" altLang="en-US" smtClean="0"/>
-              <a:t>2020-07-08</a:t>
+              <a:t>2020-07-14</a:t>
             </a:fld>
             <a:endParaRPr lang="ko-KR" altLang="en-US"/>
           </a:p>
@@ -592,7 +600,7 @@
           <a:p>
             <a:fld id="{44C45681-1F18-48D6-B67C-99C3BD305862}" type="datetimeFigureOut">
               <a:rPr lang="ko-KR" altLang="en-US" smtClean="0"/>
-              <a:t>2020-07-08</a:t>
+              <a:t>2020-07-14</a:t>
             </a:fld>
             <a:endParaRPr lang="ko-KR" altLang="en-US"/>
           </a:p>
@@ -762,7 +770,7 @@
           <a:p>
             <a:fld id="{44C45681-1F18-48D6-B67C-99C3BD305862}" type="datetimeFigureOut">
               <a:rPr lang="ko-KR" altLang="en-US" smtClean="0"/>
-              <a:t>2020-07-08</a:t>
+              <a:t>2020-07-14</a:t>
             </a:fld>
             <a:endParaRPr lang="ko-KR" altLang="en-US"/>
           </a:p>
@@ -1008,7 +1016,7 @@
           <a:p>
             <a:fld id="{44C45681-1F18-48D6-B67C-99C3BD305862}" type="datetimeFigureOut">
               <a:rPr lang="ko-KR" altLang="en-US" smtClean="0"/>
-              <a:t>2020-07-08</a:t>
+              <a:t>2020-07-14</a:t>
             </a:fld>
             <a:endParaRPr lang="ko-KR" altLang="en-US"/>
           </a:p>
@@ -1240,7 +1248,7 @@
           <a:p>
             <a:fld id="{44C45681-1F18-48D6-B67C-99C3BD305862}" type="datetimeFigureOut">
               <a:rPr lang="ko-KR" altLang="en-US" smtClean="0"/>
-              <a:t>2020-07-08</a:t>
+              <a:t>2020-07-14</a:t>
             </a:fld>
             <a:endParaRPr lang="ko-KR" altLang="en-US"/>
           </a:p>
@@ -1607,7 +1615,7 @@
           <a:p>
             <a:fld id="{44C45681-1F18-48D6-B67C-99C3BD305862}" type="datetimeFigureOut">
               <a:rPr lang="ko-KR" altLang="en-US" smtClean="0"/>
-              <a:t>2020-07-08</a:t>
+              <a:t>2020-07-14</a:t>
             </a:fld>
             <a:endParaRPr lang="ko-KR" altLang="en-US"/>
           </a:p>
@@ -1725,7 +1733,7 @@
           <a:p>
             <a:fld id="{44C45681-1F18-48D6-B67C-99C3BD305862}" type="datetimeFigureOut">
               <a:rPr lang="ko-KR" altLang="en-US" smtClean="0"/>
-              <a:t>2020-07-08</a:t>
+              <a:t>2020-07-14</a:t>
             </a:fld>
             <a:endParaRPr lang="ko-KR" altLang="en-US"/>
           </a:p>
@@ -1820,7 +1828,7 @@
           <a:p>
             <a:fld id="{44C45681-1F18-48D6-B67C-99C3BD305862}" type="datetimeFigureOut">
               <a:rPr lang="ko-KR" altLang="en-US" smtClean="0"/>
-              <a:t>2020-07-08</a:t>
+              <a:t>2020-07-14</a:t>
             </a:fld>
             <a:endParaRPr lang="ko-KR" altLang="en-US"/>
           </a:p>
@@ -2097,7 +2105,7 @@
           <a:p>
             <a:fld id="{44C45681-1F18-48D6-B67C-99C3BD305862}" type="datetimeFigureOut">
               <a:rPr lang="ko-KR" altLang="en-US" smtClean="0"/>
-              <a:t>2020-07-08</a:t>
+              <a:t>2020-07-14</a:t>
             </a:fld>
             <a:endParaRPr lang="ko-KR" altLang="en-US"/>
           </a:p>
@@ -2350,7 +2358,7 @@
           <a:p>
             <a:fld id="{44C45681-1F18-48D6-B67C-99C3BD305862}" type="datetimeFigureOut">
               <a:rPr lang="ko-KR" altLang="en-US" smtClean="0"/>
-              <a:t>2020-07-08</a:t>
+              <a:t>2020-07-14</a:t>
             </a:fld>
             <a:endParaRPr lang="ko-KR" altLang="en-US"/>
           </a:p>
@@ -2563,7 +2571,7 @@
           <a:p>
             <a:fld id="{44C45681-1F18-48D6-B67C-99C3BD305862}" type="datetimeFigureOut">
               <a:rPr lang="ko-KR" altLang="en-US" smtClean="0"/>
-              <a:t>2020-07-08</a:t>
+              <a:t>2020-07-14</a:t>
             </a:fld>
             <a:endParaRPr lang="ko-KR" altLang="en-US"/>
           </a:p>
@@ -2975,33 +2983,95 @@
             <a:spLocks noGrp="1"/>
           </p:cNvSpPr>
           <p:nvPr>
-            <p:ph type="ctrTitle"/>
-          </p:nvPr>
-        </p:nvSpPr>
-        <p:spPr/>
-        <p:txBody>
-          <a:bodyPr/>
-          <a:lstStyle/>
-          <a:p>
+            <p:ph type="title"/>
+          </p:nvPr>
+        </p:nvSpPr>
+        <p:spPr>
+          <a:xfrm>
+            <a:off x="101930" y="62304"/>
+            <a:ext cx="10515600" cy="1325563"/>
+          </a:xfrm>
+        </p:spPr>
+        <p:txBody>
+          <a:bodyPr/>
+          <a:lstStyle/>
+          <a:p>
+            <a:r>
+              <a:rPr lang="en-US" altLang="ko-KR" dirty="0" smtClean="0"/>
+              <a:t>main()</a:t>
+            </a:r>
             <a:endParaRPr lang="ko-KR" altLang="en-US" dirty="0"/>
           </a:p>
         </p:txBody>
       </p:sp>
-      <p:sp>
-        <p:nvSpPr>
-          <p:cNvPr id="3" name="부제목 2"/>
-          <p:cNvSpPr>
-            <a:spLocks noGrp="1"/>
-          </p:cNvSpPr>
-          <p:nvPr>
-            <p:ph type="subTitle" idx="1"/>
-          </p:nvPr>
-        </p:nvSpPr>
-        <p:spPr/>
-        <p:txBody>
-          <a:bodyPr/>
-          <a:lstStyle/>
-          <a:p>
+      <p:pic>
+        <p:nvPicPr>
+          <p:cNvPr id="4" name="내용 개체 틀 3"/>
+          <p:cNvPicPr>
+            <a:picLocks noGrp="1" noChangeAspect="1"/>
+          </p:cNvPicPr>
+          <p:nvPr>
+            <p:ph idx="1"/>
+          </p:nvPr>
+        </p:nvPicPr>
+        <p:blipFill>
+          <a:blip r:embed="rId2"/>
+          <a:stretch>
+            <a:fillRect/>
+          </a:stretch>
+        </p:blipFill>
+        <p:spPr>
+          <a:xfrm>
+            <a:off x="474023" y="1562018"/>
+            <a:ext cx="11157260" cy="4565649"/>
+          </a:xfrm>
+          <a:prstGeom prst="rect">
+            <a:avLst/>
+          </a:prstGeom>
+        </p:spPr>
+      </p:pic>
+      <p:sp>
+        <p:nvSpPr>
+          <p:cNvPr id="3" name="직사각형 2"/>
+          <p:cNvSpPr/>
+          <p:nvPr/>
+        </p:nvSpPr>
+        <p:spPr>
+          <a:xfrm>
+            <a:off x="1122218" y="3485408"/>
+            <a:ext cx="3657600" cy="225631"/>
+          </a:xfrm>
+          <a:prstGeom prst="rect">
+            <a:avLst/>
+          </a:prstGeom>
+          <a:noFill/>
+          <a:ln>
+            <a:solidFill>
+              <a:srgbClr val="FF0000"/>
+            </a:solidFill>
+          </a:ln>
+        </p:spPr>
+        <p:style>
+          <a:lnRef idx="2">
+            <a:schemeClr val="accent1">
+              <a:shade val="50000"/>
+            </a:schemeClr>
+          </a:lnRef>
+          <a:fillRef idx="1">
+            <a:schemeClr val="accent1"/>
+          </a:fillRef>
+          <a:effectRef idx="0">
+            <a:schemeClr val="accent1"/>
+          </a:effectRef>
+          <a:fontRef idx="minor">
+            <a:schemeClr val="lt1"/>
+          </a:fontRef>
+        </p:style>
+        <p:txBody>
+          <a:bodyPr rtlCol="0" anchor="ctr"/>
+          <a:lstStyle/>
+          <a:p>
+            <a:pPr algn="ctr"/>
             <a:endParaRPr lang="ko-KR" altLang="en-US"/>
           </a:p>
         </p:txBody>
@@ -3009,7 +3079,7 @@
     </p:spTree>
     <p:extLst>
       <p:ext uri="{BB962C8B-B14F-4D97-AF65-F5344CB8AC3E}">
-        <p14:creationId xmlns:p14="http://schemas.microsoft.com/office/powerpoint/2010/main" val="1128433723"/>
+        <p14:creationId xmlns:p14="http://schemas.microsoft.com/office/powerpoint/2010/main" val="527441299"/>
       </p:ext>
     </p:extLst>
   </p:cSld>
@@ -3046,28 +3116,50 @@
             <p:ph type="title"/>
           </p:nvPr>
         </p:nvSpPr>
+        <p:spPr>
+          <a:xfrm>
+            <a:off x="566351" y="126227"/>
+            <a:ext cx="10515600" cy="1325563"/>
+          </a:xfrm>
+        </p:spPr>
+        <p:txBody>
+          <a:bodyPr/>
+          <a:lstStyle/>
+          <a:p>
+            <a:r>
+              <a:rPr lang="en-US" altLang="ko-KR" dirty="0" smtClean="0"/>
+              <a:t>SSD300 (model.py)</a:t>
+            </a:r>
+            <a:endParaRPr lang="ko-KR" altLang="en-US" dirty="0"/>
+          </a:p>
+        </p:txBody>
+      </p:sp>
+      <p:sp>
+        <p:nvSpPr>
+          <p:cNvPr id="3" name="내용 개체 틀 2"/>
+          <p:cNvSpPr>
+            <a:spLocks noGrp="1"/>
+          </p:cNvSpPr>
+          <p:nvPr>
+            <p:ph idx="1"/>
+          </p:nvPr>
+        </p:nvSpPr>
         <p:spPr/>
         <p:txBody>
           <a:bodyPr/>
           <a:lstStyle/>
           <a:p>
-            <a:r>
-              <a:rPr lang="en-US" altLang="ko-KR" dirty="0" smtClean="0"/>
-              <a:t>main()</a:t>
-            </a:r>
             <a:endParaRPr lang="ko-KR" altLang="en-US" dirty="0"/>
           </a:p>
         </p:txBody>
       </p:sp>
       <p:pic>
         <p:nvPicPr>
-          <p:cNvPr id="4" name="내용 개체 틀 3"/>
+          <p:cNvPr id="5" name="그림 4"/>
           <p:cNvPicPr>
-            <a:picLocks noGrp="1" noChangeAspect="1"/>
+            <a:picLocks noChangeAspect="1"/>
           </p:cNvPicPr>
-          <p:nvPr>
-            <p:ph idx="1"/>
-          </p:nvPr>
+          <p:nvPr/>
         </p:nvPicPr>
         <p:blipFill>
           <a:blip r:embed="rId2"/>
@@ -3077,18 +3169,203 @@
         </p:blipFill>
         <p:spPr>
           <a:xfrm>
-            <a:off x="533400" y="2078596"/>
-            <a:ext cx="10515600" cy="4303076"/>
+            <a:off x="897925" y="1390627"/>
+            <a:ext cx="9405164" cy="3679763"/>
           </a:xfrm>
           <a:prstGeom prst="rect">
             <a:avLst/>
           </a:prstGeom>
         </p:spPr>
       </p:pic>
+      <p:cxnSp>
+        <p:nvCxnSpPr>
+          <p:cNvPr id="7" name="직선 화살표 연결선 6"/>
+          <p:cNvCxnSpPr/>
+          <p:nvPr/>
+        </p:nvCxnSpPr>
+        <p:spPr>
+          <a:xfrm flipV="1">
+            <a:off x="3188043" y="2792627"/>
+            <a:ext cx="2734962" cy="345989"/>
+          </a:xfrm>
+          <a:prstGeom prst="straightConnector1">
+            <a:avLst/>
+          </a:prstGeom>
+          <a:ln>
+            <a:tailEnd type="triangle"/>
+          </a:ln>
+        </p:spPr>
+        <p:style>
+          <a:lnRef idx="1">
+            <a:schemeClr val="accent1"/>
+          </a:lnRef>
+          <a:fillRef idx="0">
+            <a:schemeClr val="accent1"/>
+          </a:fillRef>
+          <a:effectRef idx="0">
+            <a:schemeClr val="accent1"/>
+          </a:effectRef>
+          <a:fontRef idx="minor">
+            <a:schemeClr val="tx1"/>
+          </a:fontRef>
+        </p:style>
+      </p:cxnSp>
+      <p:sp>
+        <p:nvSpPr>
+          <p:cNvPr id="8" name="TextBox 7"/>
+          <p:cNvSpPr txBox="1"/>
+          <p:nvPr/>
+        </p:nvSpPr>
+        <p:spPr>
+          <a:xfrm>
+            <a:off x="5977158" y="2596289"/>
+            <a:ext cx="4471930" cy="369332"/>
+          </a:xfrm>
+          <a:prstGeom prst="rect">
+            <a:avLst/>
+          </a:prstGeom>
+          <a:noFill/>
+        </p:spPr>
+        <p:txBody>
+          <a:bodyPr wrap="none" rtlCol="0">
+            <a:spAutoFit/>
+          </a:bodyPr>
+          <a:lstStyle/>
+          <a:p>
+            <a:r>
+              <a:rPr lang="en-US" altLang="ko-KR" dirty="0" smtClean="0"/>
+              <a:t>ImageNet </a:t>
+            </a:r>
+            <a:r>
+              <a:rPr lang="en-US" altLang="ko-KR" dirty="0" err="1" smtClean="0"/>
+              <a:t>pretrainded</a:t>
+            </a:r>
+            <a:r>
+              <a:rPr lang="en-US" altLang="ko-KR" dirty="0" smtClean="0"/>
+              <a:t> parameter update</a:t>
+            </a:r>
+            <a:endParaRPr lang="ko-KR" altLang="en-US" dirty="0"/>
+          </a:p>
+        </p:txBody>
+      </p:sp>
+      <p:pic>
+        <p:nvPicPr>
+          <p:cNvPr id="4" name="그림 3"/>
+          <p:cNvPicPr>
+            <a:picLocks noChangeAspect="1"/>
+          </p:cNvPicPr>
+          <p:nvPr/>
+        </p:nvPicPr>
+        <p:blipFill>
+          <a:blip r:embed="rId3"/>
+          <a:stretch>
+            <a:fillRect/>
+          </a:stretch>
+        </p:blipFill>
+        <p:spPr>
+          <a:xfrm>
+            <a:off x="5533901" y="4639244"/>
+            <a:ext cx="6517204" cy="1911554"/>
+          </a:xfrm>
+          <a:prstGeom prst="rect">
+            <a:avLst/>
+          </a:prstGeom>
+        </p:spPr>
+      </p:pic>
+      <p:sp>
+        <p:nvSpPr>
+          <p:cNvPr id="9" name="TextBox 8"/>
+          <p:cNvSpPr txBox="1"/>
+          <p:nvPr/>
+        </p:nvSpPr>
+        <p:spPr>
+          <a:xfrm>
+            <a:off x="6897495" y="6488668"/>
+            <a:ext cx="1126847" cy="369332"/>
+          </a:xfrm>
+          <a:prstGeom prst="rect">
+            <a:avLst/>
+          </a:prstGeom>
+          <a:noFill/>
+        </p:spPr>
+        <p:txBody>
+          <a:bodyPr wrap="none" rtlCol="0">
+            <a:spAutoFit/>
+          </a:bodyPr>
+          <a:lstStyle/>
+          <a:p>
+            <a:r>
+              <a:rPr lang="en-US" altLang="ko-KR" dirty="0" err="1" smtClean="0"/>
+              <a:t>VGGBase</a:t>
+            </a:r>
+            <a:endParaRPr lang="ko-KR" altLang="en-US" dirty="0"/>
+          </a:p>
+        </p:txBody>
+      </p:sp>
+      <p:sp>
+        <p:nvSpPr>
+          <p:cNvPr id="10" name="TextBox 9"/>
+          <p:cNvSpPr txBox="1"/>
+          <p:nvPr/>
+        </p:nvSpPr>
+        <p:spPr>
+          <a:xfrm>
+            <a:off x="9176242" y="6488668"/>
+            <a:ext cx="1071512" cy="369332"/>
+          </a:xfrm>
+          <a:prstGeom prst="rect">
+            <a:avLst/>
+          </a:prstGeom>
+          <a:noFill/>
+        </p:spPr>
+        <p:txBody>
+          <a:bodyPr wrap="none" rtlCol="0">
+            <a:spAutoFit/>
+          </a:bodyPr>
+          <a:lstStyle/>
+          <a:p>
+            <a:r>
+              <a:rPr lang="en-US" altLang="ko-KR" dirty="0" smtClean="0"/>
+              <a:t>Auxiliary</a:t>
+            </a:r>
+            <a:endParaRPr lang="ko-KR" altLang="en-US" dirty="0"/>
+          </a:p>
+        </p:txBody>
+      </p:sp>
+      <p:sp>
+        <p:nvSpPr>
+          <p:cNvPr id="11" name="TextBox 10"/>
+          <p:cNvSpPr txBox="1"/>
+          <p:nvPr/>
+        </p:nvSpPr>
+        <p:spPr>
+          <a:xfrm>
+            <a:off x="10818044" y="6488668"/>
+            <a:ext cx="1229760" cy="369332"/>
+          </a:xfrm>
+          <a:prstGeom prst="rect">
+            <a:avLst/>
+          </a:prstGeom>
+          <a:noFill/>
+        </p:spPr>
+        <p:txBody>
+          <a:bodyPr wrap="none" rtlCol="0">
+            <a:spAutoFit/>
+          </a:bodyPr>
+          <a:lstStyle/>
+          <a:p>
+            <a:r>
+              <a:rPr lang="en-US" altLang="ko-KR" dirty="0" smtClean="0"/>
+              <a:t>Prediction</a:t>
+            </a:r>
+            <a:endParaRPr lang="ko-KR" altLang="en-US" dirty="0"/>
+          </a:p>
+        </p:txBody>
+      </p:sp>
     </p:spTree>
     <p:extLst>
       <p:ext uri="{BB962C8B-B14F-4D97-AF65-F5344CB8AC3E}">
-        <p14:creationId xmlns:p14="http://schemas.microsoft.com/office/powerpoint/2010/main" val="527441299"/>
+        <p14:creationId xmlns:p14="http://schemas.microsoft.com/office/powerpoint/2010/main" val="1471056121"/>
       </p:ext>
     </p:extLst>
   </p:cSld>
@@ -3125,21 +3402,12 @@
             <p:ph type="title"/>
           </p:nvPr>
         </p:nvSpPr>
-        <p:spPr>
-          <a:xfrm>
-            <a:off x="566351" y="126227"/>
-            <a:ext cx="10515600" cy="1325563"/>
-          </a:xfrm>
-        </p:spPr>
-        <p:txBody>
-          <a:bodyPr/>
-          <a:lstStyle/>
-          <a:p>
-            <a:r>
-              <a:rPr lang="en-US" altLang="ko-KR" dirty="0" smtClean="0"/>
-              <a:t>SSD300 (model.py)</a:t>
-            </a:r>
-            <a:endParaRPr lang="ko-KR" altLang="en-US" dirty="0"/>
+        <p:spPr/>
+        <p:txBody>
+          <a:bodyPr/>
+          <a:lstStyle/>
+          <a:p>
+            <a:endParaRPr lang="ko-KR" altLang="en-US"/>
           </a:p>
         </p:txBody>
       </p:sp>
@@ -3164,7 +3432,7 @@
       </p:sp>
       <p:pic>
         <p:nvPicPr>
-          <p:cNvPr id="5" name="그림 4"/>
+          <p:cNvPr id="4" name="그림 3"/>
           <p:cNvPicPr>
             <a:picLocks noChangeAspect="1"/>
           </p:cNvPicPr>
@@ -3178,89 +3446,41 @@
         </p:blipFill>
         <p:spPr>
           <a:xfrm>
-            <a:off x="897925" y="1390627"/>
-            <a:ext cx="9405164" cy="3679763"/>
+            <a:off x="604837" y="385762"/>
+            <a:ext cx="10982325" cy="6086475"/>
           </a:xfrm>
           <a:prstGeom prst="rect">
             <a:avLst/>
           </a:prstGeom>
         </p:spPr>
       </p:pic>
-      <p:cxnSp>
-        <p:nvCxnSpPr>
-          <p:cNvPr id="7" name="직선 화살표 연결선 6"/>
-          <p:cNvCxnSpPr/>
+      <p:pic>
+        <p:nvPicPr>
+          <p:cNvPr id="5" name="그림 4"/>
+          <p:cNvPicPr>
+            <a:picLocks noChangeAspect="1"/>
+          </p:cNvPicPr>
           <p:nvPr/>
-        </p:nvCxnSpPr>
-        <p:spPr>
-          <a:xfrm flipV="1">
-            <a:off x="3188043" y="2792627"/>
-            <a:ext cx="2734962" cy="345989"/>
-          </a:xfrm>
-          <a:prstGeom prst="straightConnector1">
-            <a:avLst/>
-          </a:prstGeom>
-          <a:ln>
-            <a:tailEnd type="triangle"/>
-          </a:ln>
-        </p:spPr>
-        <p:style>
-          <a:lnRef idx="1">
-            <a:schemeClr val="accent1"/>
-          </a:lnRef>
-          <a:fillRef idx="0">
-            <a:schemeClr val="accent1"/>
-          </a:fillRef>
-          <a:effectRef idx="0">
-            <a:schemeClr val="accent1"/>
-          </a:effectRef>
-          <a:fontRef idx="minor">
-            <a:schemeClr val="tx1"/>
-          </a:fontRef>
-        </p:style>
-      </p:cxnSp>
-      <p:sp>
-        <p:nvSpPr>
-          <p:cNvPr id="8" name="TextBox 7"/>
-          <p:cNvSpPr txBox="1"/>
-          <p:nvPr/>
-        </p:nvSpPr>
-        <p:spPr>
-          <a:xfrm>
-            <a:off x="5977158" y="2596289"/>
-            <a:ext cx="4471930" cy="369332"/>
+        </p:nvPicPr>
+        <p:blipFill rotWithShape="1">
+          <a:blip r:embed="rId3"/>
+          <a:srcRect r="50438"/>
+          <a:stretch/>
+        </p:blipFill>
+        <p:spPr>
+          <a:xfrm>
+            <a:off x="8240392" y="849449"/>
+            <a:ext cx="3230089" cy="1911554"/>
           </a:xfrm>
           <a:prstGeom prst="rect">
             <a:avLst/>
           </a:prstGeom>
-          <a:noFill/>
-        </p:spPr>
-        <p:txBody>
-          <a:bodyPr wrap="none" rtlCol="0">
-            <a:spAutoFit/>
-          </a:bodyPr>
-          <a:lstStyle/>
-          <a:p>
-            <a:r>
-              <a:rPr lang="en-US" altLang="ko-KR" dirty="0" smtClean="0"/>
-              <a:t>ImageNet </a:t>
-            </a:r>
-            <a:r>
-              <a:rPr lang="en-US" altLang="ko-KR" dirty="0" err="1" smtClean="0"/>
-              <a:t>pretrainded</a:t>
-            </a:r>
-            <a:r>
-              <a:rPr lang="en-US" altLang="ko-KR" dirty="0" smtClean="0"/>
-              <a:t> parameter update</a:t>
-            </a:r>
-            <a:endParaRPr lang="ko-KR" altLang="en-US" dirty="0"/>
-          </a:p>
-        </p:txBody>
-      </p:sp>
+        </p:spPr>
+      </p:pic>
     </p:spTree>
     <p:extLst>
       <p:ext uri="{BB962C8B-B14F-4D97-AF65-F5344CB8AC3E}">
-        <p14:creationId xmlns:p14="http://schemas.microsoft.com/office/powerpoint/2010/main" val="1471056121"/>
+        <p14:creationId xmlns:p14="http://schemas.microsoft.com/office/powerpoint/2010/main" val="1172723297"/>
       </p:ext>
     </p:extLst>
   </p:cSld>
@@ -3271,6 +3491,179 @@
 </file>
 
 <file path=ppt/slides/slide4.xml><?xml version="1.0" encoding="utf-8"?>
+<p:sld xmlns:a="http://schemas.openxmlformats.org/drawingml/2006/main" xmlns:r="http://schemas.openxmlformats.org/officeDocument/2006/relationships" xmlns:p="http://schemas.openxmlformats.org/presentationml/2006/main">
+  <p:cSld>
+    <p:spTree>
+      <p:nvGrpSpPr>
+        <p:cNvPr id="1" name=""/>
+        <p:cNvGrpSpPr/>
+        <p:nvPr/>
+      </p:nvGrpSpPr>
+      <p:grpSpPr>
+        <a:xfrm>
+          <a:off x="0" y="0"/>
+          <a:ext cx="0" cy="0"/>
+          <a:chOff x="0" y="0"/>
+          <a:chExt cx="0" cy="0"/>
+        </a:xfrm>
+      </p:grpSpPr>
+      <p:sp>
+        <p:nvSpPr>
+          <p:cNvPr id="3" name="내용 개체 틀 2"/>
+          <p:cNvSpPr>
+            <a:spLocks noGrp="1"/>
+          </p:cNvSpPr>
+          <p:nvPr>
+            <p:ph idx="1"/>
+          </p:nvPr>
+        </p:nvSpPr>
+        <p:spPr/>
+        <p:txBody>
+          <a:bodyPr/>
+          <a:lstStyle/>
+          <a:p>
+            <a:endParaRPr lang="ko-KR" altLang="en-US"/>
+          </a:p>
+        </p:txBody>
+      </p:sp>
+      <p:pic>
+        <p:nvPicPr>
+          <p:cNvPr id="4" name="그림 3"/>
+          <p:cNvPicPr>
+            <a:picLocks noChangeAspect="1"/>
+          </p:cNvPicPr>
+          <p:nvPr/>
+        </p:nvPicPr>
+        <p:blipFill>
+          <a:blip r:embed="rId2"/>
+          <a:stretch>
+            <a:fillRect/>
+          </a:stretch>
+        </p:blipFill>
+        <p:spPr>
+          <a:xfrm>
+            <a:off x="476250" y="1228725"/>
+            <a:ext cx="11239500" cy="4400550"/>
+          </a:xfrm>
+          <a:prstGeom prst="rect">
+            <a:avLst/>
+          </a:prstGeom>
+        </p:spPr>
+      </p:pic>
+      <p:pic>
+        <p:nvPicPr>
+          <p:cNvPr id="5" name="그림 4"/>
+          <p:cNvPicPr>
+            <a:picLocks noChangeAspect="1"/>
+          </p:cNvPicPr>
+          <p:nvPr/>
+        </p:nvPicPr>
+        <p:blipFill rotWithShape="1">
+          <a:blip r:embed="rId3"/>
+          <a:srcRect l="49060" r="16046"/>
+          <a:stretch/>
+        </p:blipFill>
+        <p:spPr>
+          <a:xfrm>
+            <a:off x="7837714" y="681037"/>
+            <a:ext cx="2274126" cy="1911554"/>
+          </a:xfrm>
+          <a:prstGeom prst="rect">
+            <a:avLst/>
+          </a:prstGeom>
+        </p:spPr>
+      </p:pic>
+    </p:spTree>
+    <p:extLst>
+      <p:ext uri="{BB962C8B-B14F-4D97-AF65-F5344CB8AC3E}">
+        <p14:creationId xmlns:p14="http://schemas.microsoft.com/office/powerpoint/2010/main" val="1236254184"/>
+      </p:ext>
+    </p:extLst>
+  </p:cSld>
+  <p:clrMapOvr>
+    <a:masterClrMapping/>
+  </p:clrMapOvr>
+</p:sld>
+</file>
+
+<file path=ppt/slides/slide5.xml><?xml version="1.0" encoding="utf-8"?>
+<p:sld xmlns:a="http://schemas.openxmlformats.org/drawingml/2006/main" xmlns:r="http://schemas.openxmlformats.org/officeDocument/2006/relationships" xmlns:p="http://schemas.openxmlformats.org/presentationml/2006/main">
+  <p:cSld>
+    <p:spTree>
+      <p:nvGrpSpPr>
+        <p:cNvPr id="1" name=""/>
+        <p:cNvGrpSpPr/>
+        <p:nvPr/>
+      </p:nvGrpSpPr>
+      <p:grpSpPr>
+        <a:xfrm>
+          <a:off x="0" y="0"/>
+          <a:ext cx="0" cy="0"/>
+          <a:chOff x="0" y="0"/>
+          <a:chExt cx="0" cy="0"/>
+        </a:xfrm>
+      </p:grpSpPr>
+      <p:pic>
+        <p:nvPicPr>
+          <p:cNvPr id="4" name="그림 3"/>
+          <p:cNvPicPr>
+            <a:picLocks noChangeAspect="1"/>
+          </p:cNvPicPr>
+          <p:nvPr/>
+        </p:nvPicPr>
+        <p:blipFill>
+          <a:blip r:embed="rId2"/>
+          <a:stretch>
+            <a:fillRect/>
+          </a:stretch>
+        </p:blipFill>
+        <p:spPr>
+          <a:xfrm>
+            <a:off x="334241" y="580468"/>
+            <a:ext cx="9029700" cy="5210175"/>
+          </a:xfrm>
+          <a:prstGeom prst="rect">
+            <a:avLst/>
+          </a:prstGeom>
+        </p:spPr>
+      </p:pic>
+      <p:pic>
+        <p:nvPicPr>
+          <p:cNvPr id="5" name="그림 4"/>
+          <p:cNvPicPr>
+            <a:picLocks noChangeAspect="1"/>
+          </p:cNvPicPr>
+          <p:nvPr/>
+        </p:nvPicPr>
+        <p:blipFill rotWithShape="1">
+          <a:blip r:embed="rId3"/>
+          <a:srcRect l="83910"/>
+          <a:stretch/>
+        </p:blipFill>
+        <p:spPr>
+          <a:xfrm>
+            <a:off x="9660577" y="580468"/>
+            <a:ext cx="1048616" cy="1911554"/>
+          </a:xfrm>
+          <a:prstGeom prst="rect">
+            <a:avLst/>
+          </a:prstGeom>
+        </p:spPr>
+      </p:pic>
+    </p:spTree>
+    <p:extLst>
+      <p:ext uri="{BB962C8B-B14F-4D97-AF65-F5344CB8AC3E}">
+        <p14:creationId xmlns:p14="http://schemas.microsoft.com/office/powerpoint/2010/main" val="3342487867"/>
+      </p:ext>
+    </p:extLst>
+  </p:cSld>
+  <p:clrMapOvr>
+    <a:masterClrMapping/>
+  </p:clrMapOvr>
+</p:sld>
+</file>
+
+<file path=ppt/slides/slide6.xml><?xml version="1.0" encoding="utf-8"?>
 <p:sld xmlns:a="http://schemas.openxmlformats.org/drawingml/2006/main" xmlns:r="http://schemas.openxmlformats.org/officeDocument/2006/relationships" xmlns:p="http://schemas.openxmlformats.org/presentationml/2006/main">
   <p:cSld>
     <p:spTree>
@@ -3402,6 +3795,30 @@
           </a:p>
         </p:txBody>
       </p:sp>
+      <p:pic>
+        <p:nvPicPr>
+          <p:cNvPr id="2" name="그림 1"/>
+          <p:cNvPicPr>
+            <a:picLocks noChangeAspect="1"/>
+          </p:cNvPicPr>
+          <p:nvPr/>
+        </p:nvPicPr>
+        <p:blipFill>
+          <a:blip r:embed="rId4"/>
+          <a:stretch>
+            <a:fillRect/>
+          </a:stretch>
+        </p:blipFill>
+        <p:spPr>
+          <a:xfrm>
+            <a:off x="6405563" y="233363"/>
+            <a:ext cx="5329184" cy="638176"/>
+          </a:xfrm>
+          <a:prstGeom prst="rect">
+            <a:avLst/>
+          </a:prstGeom>
+        </p:spPr>
+      </p:pic>
     </p:spTree>
     <p:extLst>
       <p:ext uri="{BB962C8B-B14F-4D97-AF65-F5344CB8AC3E}">
@@ -3415,7 +3832,7 @@
 </p:sld>
 </file>
 
-<file path=ppt/slides/slide5.xml><?xml version="1.0" encoding="utf-8"?>
+<file path=ppt/slides/slide7.xml><?xml version="1.0" encoding="utf-8"?>
 <p:sld xmlns:a="http://schemas.openxmlformats.org/drawingml/2006/main" xmlns:r="http://schemas.openxmlformats.org/officeDocument/2006/relationships" xmlns:p="http://schemas.openxmlformats.org/presentationml/2006/main">
   <p:cSld>
     <p:spTree>
@@ -3434,7 +3851,7 @@
       </p:grpSpPr>
       <p:pic>
         <p:nvPicPr>
-          <p:cNvPr id="7" name="그림 6"/>
+          <p:cNvPr id="2" name="그림 1"/>
           <p:cNvPicPr>
             <a:picLocks noChangeAspect="1"/>
           </p:cNvPicPr>
@@ -3448,8 +3865,212 @@
         </p:blipFill>
         <p:spPr>
           <a:xfrm>
-            <a:off x="284637" y="209365"/>
-            <a:ext cx="4946444" cy="2665524"/>
+            <a:off x="219694" y="640552"/>
+            <a:ext cx="5276850" cy="4667250"/>
+          </a:xfrm>
+          <a:prstGeom prst="rect">
+            <a:avLst/>
+          </a:prstGeom>
+        </p:spPr>
+      </p:pic>
+      <p:pic>
+        <p:nvPicPr>
+          <p:cNvPr id="3" name="그림 2"/>
+          <p:cNvPicPr>
+            <a:picLocks noChangeAspect="1"/>
+          </p:cNvPicPr>
+          <p:nvPr/>
+        </p:nvPicPr>
+        <p:blipFill>
+          <a:blip r:embed="rId3"/>
+          <a:stretch>
+            <a:fillRect/>
+          </a:stretch>
+        </p:blipFill>
+        <p:spPr>
+          <a:xfrm>
+            <a:off x="5822435" y="1381372"/>
+            <a:ext cx="7772399" cy="3520890"/>
+          </a:xfrm>
+          <a:prstGeom prst="rect">
+            <a:avLst/>
+          </a:prstGeom>
+        </p:spPr>
+      </p:pic>
+      <p:sp>
+        <p:nvSpPr>
+          <p:cNvPr id="4" name="직사각형 3"/>
+          <p:cNvSpPr/>
+          <p:nvPr/>
+        </p:nvSpPr>
+        <p:spPr>
+          <a:xfrm>
+            <a:off x="5896099" y="2505694"/>
+            <a:ext cx="1520041" cy="154379"/>
+          </a:xfrm>
+          <a:prstGeom prst="rect">
+            <a:avLst/>
+          </a:prstGeom>
+          <a:noFill/>
+          <a:ln w="19050">
+            <a:solidFill>
+              <a:srgbClr val="FF0000"/>
+            </a:solidFill>
+          </a:ln>
+        </p:spPr>
+        <p:style>
+          <a:lnRef idx="2">
+            <a:schemeClr val="accent1">
+              <a:shade val="50000"/>
+            </a:schemeClr>
+          </a:lnRef>
+          <a:fillRef idx="1">
+            <a:schemeClr val="accent1"/>
+          </a:fillRef>
+          <a:effectRef idx="0">
+            <a:schemeClr val="accent1"/>
+          </a:effectRef>
+          <a:fontRef idx="minor">
+            <a:schemeClr val="lt1"/>
+          </a:fontRef>
+        </p:style>
+        <p:txBody>
+          <a:bodyPr rtlCol="0" anchor="ctr"/>
+          <a:lstStyle/>
+          <a:p>
+            <a:pPr algn="ctr"/>
+            <a:endParaRPr lang="ko-KR" altLang="en-US"/>
+          </a:p>
+        </p:txBody>
+      </p:sp>
+    </p:spTree>
+    <p:extLst>
+      <p:ext uri="{BB962C8B-B14F-4D97-AF65-F5344CB8AC3E}">
+        <p14:creationId xmlns:p14="http://schemas.microsoft.com/office/powerpoint/2010/main" val="2102692410"/>
+      </p:ext>
+    </p:extLst>
+  </p:cSld>
+  <p:clrMapOvr>
+    <a:masterClrMapping/>
+  </p:clrMapOvr>
+</p:sld>
+</file>
+
+<file path=ppt/slides/slide8.xml><?xml version="1.0" encoding="utf-8"?>
+<p:sld xmlns:a="http://schemas.openxmlformats.org/drawingml/2006/main" xmlns:r="http://schemas.openxmlformats.org/officeDocument/2006/relationships" xmlns:p="http://schemas.openxmlformats.org/presentationml/2006/main">
+  <p:cSld>
+    <p:spTree>
+      <p:nvGrpSpPr>
+        <p:cNvPr id="1" name=""/>
+        <p:cNvGrpSpPr/>
+        <p:nvPr/>
+      </p:nvGrpSpPr>
+      <p:grpSpPr>
+        <a:xfrm>
+          <a:off x="0" y="0"/>
+          <a:ext cx="0" cy="0"/>
+          <a:chOff x="0" y="0"/>
+          <a:chExt cx="0" cy="0"/>
+        </a:xfrm>
+      </p:grpSpPr>
+      <p:pic>
+        <p:nvPicPr>
+          <p:cNvPr id="4" name="그림 3"/>
+          <p:cNvPicPr>
+            <a:picLocks noChangeAspect="1"/>
+          </p:cNvPicPr>
+          <p:nvPr/>
+        </p:nvPicPr>
+        <p:blipFill>
+          <a:blip r:embed="rId2"/>
+          <a:stretch>
+            <a:fillRect/>
+          </a:stretch>
+        </p:blipFill>
+        <p:spPr>
+          <a:xfrm>
+            <a:off x="6231349" y="2242301"/>
+            <a:ext cx="4955393" cy="3176834"/>
+          </a:xfrm>
+          <a:prstGeom prst="rect">
+            <a:avLst/>
+          </a:prstGeom>
+        </p:spPr>
+      </p:pic>
+      <p:sp>
+        <p:nvSpPr>
+          <p:cNvPr id="5" name="TextBox 4"/>
+          <p:cNvSpPr txBox="1"/>
+          <p:nvPr/>
+        </p:nvSpPr>
+        <p:spPr>
+          <a:xfrm>
+            <a:off x="575953" y="427512"/>
+            <a:ext cx="3988400" cy="923330"/>
+          </a:xfrm>
+          <a:prstGeom prst="rect">
+            <a:avLst/>
+          </a:prstGeom>
+          <a:noFill/>
+        </p:spPr>
+        <p:txBody>
+          <a:bodyPr wrap="none" rtlCol="0">
+            <a:spAutoFit/>
+          </a:bodyPr>
+          <a:lstStyle/>
+          <a:p>
+            <a:pPr marL="342900" indent="-342900">
+              <a:buAutoNum type="arabicPeriod"/>
+            </a:pPr>
+            <a:r>
+              <a:rPr lang="en-US" altLang="ko-KR" dirty="0" smtClean="0"/>
+              <a:t>K-means </a:t>
+            </a:r>
+            <a:r>
+              <a:rPr lang="en-US" altLang="ko-KR" dirty="0" err="1" smtClean="0"/>
+              <a:t>clusterting</a:t>
+            </a:r>
+            <a:r>
+              <a:rPr lang="en-US" altLang="ko-KR" dirty="0" smtClean="0"/>
+              <a:t> -&gt; network?</a:t>
+            </a:r>
+          </a:p>
+          <a:p>
+            <a:pPr marL="342900" indent="-342900">
+              <a:buAutoNum type="arabicPeriod"/>
+            </a:pPr>
+            <a:endParaRPr lang="en-US" altLang="ko-KR" dirty="0" smtClean="0"/>
+          </a:p>
+          <a:p>
+            <a:pPr marL="342900" indent="-342900">
+              <a:buAutoNum type="arabicPeriod"/>
+            </a:pPr>
+            <a:r>
+              <a:rPr lang="en-US" altLang="ko-KR" dirty="0" smtClean="0"/>
+              <a:t>NMS -&gt; network?</a:t>
+            </a:r>
+            <a:endParaRPr lang="ko-KR" altLang="en-US" dirty="0"/>
+          </a:p>
+        </p:txBody>
+      </p:sp>
+      <p:pic>
+        <p:nvPicPr>
+          <p:cNvPr id="6" name="그림 5"/>
+          <p:cNvPicPr>
+            <a:picLocks noChangeAspect="1"/>
+          </p:cNvPicPr>
+          <p:nvPr/>
+        </p:nvPicPr>
+        <p:blipFill>
+          <a:blip r:embed="rId3"/>
+          <a:stretch>
+            <a:fillRect/>
+          </a:stretch>
+        </p:blipFill>
+        <p:spPr>
+          <a:xfrm>
+            <a:off x="878775" y="2061830"/>
+            <a:ext cx="3934766" cy="3537776"/>
           </a:xfrm>
           <a:prstGeom prst="rect">
             <a:avLst/>
@@ -3459,7 +4080,7 @@
     </p:spTree>
     <p:extLst>
       <p:ext uri="{BB962C8B-B14F-4D97-AF65-F5344CB8AC3E}">
-        <p14:creationId xmlns:p14="http://schemas.microsoft.com/office/powerpoint/2010/main" val="2102692410"/>
+        <p14:creationId xmlns:p14="http://schemas.microsoft.com/office/powerpoint/2010/main" val="2125996168"/>
       </p:ext>
     </p:extLst>
   </p:cSld>

--- a/assets/images/od/ssd.pptx
+++ b/assets/images/od/ssd.pptx
@@ -5,14 +5,24 @@
     <p:sldMasterId id="2147483648" r:id="rId1"/>
   </p:sldMasterIdLst>
   <p:sldIdLst>
-    <p:sldId id="257" r:id="rId2"/>
-    <p:sldId id="259" r:id="rId3"/>
-    <p:sldId id="261" r:id="rId4"/>
-    <p:sldId id="262" r:id="rId5"/>
-    <p:sldId id="263" r:id="rId6"/>
-    <p:sldId id="258" r:id="rId7"/>
-    <p:sldId id="260" r:id="rId8"/>
-    <p:sldId id="264" r:id="rId9"/>
+    <p:sldId id="272" r:id="rId2"/>
+    <p:sldId id="257" r:id="rId3"/>
+    <p:sldId id="259" r:id="rId4"/>
+    <p:sldId id="261" r:id="rId5"/>
+    <p:sldId id="262" r:id="rId6"/>
+    <p:sldId id="263" r:id="rId7"/>
+    <p:sldId id="258" r:id="rId8"/>
+    <p:sldId id="260" r:id="rId9"/>
+    <p:sldId id="264" r:id="rId10"/>
+    <p:sldId id="265" r:id="rId11"/>
+    <p:sldId id="266" r:id="rId12"/>
+    <p:sldId id="268" r:id="rId13"/>
+    <p:sldId id="270" r:id="rId14"/>
+    <p:sldId id="271" r:id="rId15"/>
+    <p:sldId id="269" r:id="rId16"/>
+    <p:sldId id="267" r:id="rId17"/>
+    <p:sldId id="273" r:id="rId18"/>
+    <p:sldId id="274" r:id="rId19"/>
   </p:sldIdLst>
   <p:sldSz cx="12192000" cy="6858000"/>
   <p:notesSz cx="6858000" cy="9144000"/>
@@ -250,7 +260,7 @@
           <a:p>
             <a:fld id="{44C45681-1F18-48D6-B67C-99C3BD305862}" type="datetimeFigureOut">
               <a:rPr lang="ko-KR" altLang="en-US" smtClean="0"/>
-              <a:t>2020-07-14</a:t>
+              <a:t>2020-07-27</a:t>
             </a:fld>
             <a:endParaRPr lang="ko-KR" altLang="en-US"/>
           </a:p>
@@ -420,7 +430,7 @@
           <a:p>
             <a:fld id="{44C45681-1F18-48D6-B67C-99C3BD305862}" type="datetimeFigureOut">
               <a:rPr lang="ko-KR" altLang="en-US" smtClean="0"/>
-              <a:t>2020-07-14</a:t>
+              <a:t>2020-07-27</a:t>
             </a:fld>
             <a:endParaRPr lang="ko-KR" altLang="en-US"/>
           </a:p>
@@ -600,7 +610,7 @@
           <a:p>
             <a:fld id="{44C45681-1F18-48D6-B67C-99C3BD305862}" type="datetimeFigureOut">
               <a:rPr lang="ko-KR" altLang="en-US" smtClean="0"/>
-              <a:t>2020-07-14</a:t>
+              <a:t>2020-07-27</a:t>
             </a:fld>
             <a:endParaRPr lang="ko-KR" altLang="en-US"/>
           </a:p>
@@ -658,6 +668,188 @@
   <p:clrMapOvr>
     <a:masterClrMapping/>
   </p:clrMapOvr>
+</p:sldLayout>
+</file>
+
+<file path=ppt/slideLayouts/slideLayout12.xml><?xml version="1.0" encoding="utf-8"?>
+<p:sldLayout xmlns:a="http://schemas.openxmlformats.org/drawingml/2006/main" xmlns:r="http://schemas.openxmlformats.org/officeDocument/2006/relationships" xmlns:p="http://schemas.openxmlformats.org/presentationml/2006/main" userDrawn="1">
+  <p:cSld name="1_제목 슬라이드">
+    <p:spTree>
+      <p:nvGrpSpPr>
+        <p:cNvPr id="1" name=""/>
+        <p:cNvGrpSpPr/>
+        <p:nvPr/>
+      </p:nvGrpSpPr>
+      <p:grpSpPr>
+        <a:xfrm>
+          <a:off x="0" y="0"/>
+          <a:ext cx="0" cy="0"/>
+          <a:chOff x="0" y="0"/>
+          <a:chExt cx="0" cy="0"/>
+        </a:xfrm>
+      </p:grpSpPr>
+      <p:sp>
+        <p:nvSpPr>
+          <p:cNvPr id="7" name="직사각형 6"/>
+          <p:cNvSpPr/>
+          <p:nvPr userDrawn="1"/>
+        </p:nvSpPr>
+        <p:spPr>
+          <a:xfrm>
+            <a:off x="0" y="2152073"/>
+            <a:ext cx="12192000" cy="2503054"/>
+          </a:xfrm>
+          <a:prstGeom prst="rect">
+            <a:avLst/>
+          </a:prstGeom>
+          <a:solidFill>
+            <a:srgbClr val="44546A"/>
+          </a:solidFill>
+          <a:ln>
+            <a:solidFill>
+              <a:srgbClr val="44546A"/>
+            </a:solidFill>
+          </a:ln>
+        </p:spPr>
+        <p:style>
+          <a:lnRef idx="2">
+            <a:schemeClr val="accent1">
+              <a:shade val="50000"/>
+            </a:schemeClr>
+          </a:lnRef>
+          <a:fillRef idx="1">
+            <a:schemeClr val="accent1"/>
+          </a:fillRef>
+          <a:effectRef idx="0">
+            <a:schemeClr val="accent1"/>
+          </a:effectRef>
+          <a:fontRef idx="minor">
+            <a:schemeClr val="lt1"/>
+          </a:fontRef>
+        </p:style>
+        <p:txBody>
+          <a:bodyPr rtlCol="0" anchor="ctr"/>
+          <a:lstStyle/>
+          <a:p>
+            <a:pPr algn="ctr"/>
+            <a:endParaRPr lang="ko-KR" altLang="en-US" sz="760" dirty="0">
+              <a:latin typeface="맑은 고딕" panose="020B0503020000020004" pitchFamily="50" charset="-127"/>
+              <a:ea typeface="맑은 고딕" panose="020B0503020000020004" pitchFamily="50" charset="-127"/>
+            </a:endParaRPr>
+          </a:p>
+        </p:txBody>
+      </p:sp>
+      <p:pic>
+        <p:nvPicPr>
+          <p:cNvPr id="8" name="그림 7"/>
+          <p:cNvPicPr>
+            <a:picLocks noChangeAspect="1"/>
+          </p:cNvPicPr>
+          <p:nvPr userDrawn="1"/>
+        </p:nvPicPr>
+        <p:blipFill>
+          <a:blip r:embed="rId2"/>
+          <a:stretch>
+            <a:fillRect/>
+          </a:stretch>
+        </p:blipFill>
+        <p:spPr>
+          <a:xfrm>
+            <a:off x="9672077" y="162228"/>
+            <a:ext cx="2407039" cy="845330"/>
+          </a:xfrm>
+          <a:prstGeom prst="rect">
+            <a:avLst/>
+          </a:prstGeom>
+        </p:spPr>
+      </p:pic>
+      <p:sp>
+        <p:nvSpPr>
+          <p:cNvPr id="9" name="Title 1"/>
+          <p:cNvSpPr>
+            <a:spLocks noGrp="1"/>
+          </p:cNvSpPr>
+          <p:nvPr>
+            <p:ph type="title"/>
+          </p:nvPr>
+        </p:nvSpPr>
+        <p:spPr>
+          <a:xfrm>
+            <a:off x="831851" y="2700870"/>
+            <a:ext cx="10515600" cy="1490133"/>
+          </a:xfrm>
+          <a:prstGeom prst="rect">
+            <a:avLst/>
+          </a:prstGeom>
+        </p:spPr>
+        <p:txBody>
+          <a:bodyPr anchor="ctr" anchorCtr="0"/>
+          <a:lstStyle>
+            <a:lvl1pPr algn="ctr">
+              <a:defRPr sz="3300">
+                <a:solidFill>
+                  <a:schemeClr val="bg1"/>
+                </a:solidFill>
+              </a:defRPr>
+            </a:lvl1pPr>
+          </a:lstStyle>
+          <a:p>
+            <a:r>
+              <a:rPr lang="ko-KR" altLang="en-US" dirty="0" smtClean="0"/>
+              <a:t>마스터 제목 스타일 편집</a:t>
+            </a:r>
+            <a:endParaRPr lang="en-US" dirty="0"/>
+          </a:p>
+        </p:txBody>
+      </p:sp>
+      <p:pic>
+        <p:nvPicPr>
+          <p:cNvPr id="5" name="그림 4"/>
+          <p:cNvPicPr>
+            <a:picLocks noChangeAspect="1"/>
+          </p:cNvPicPr>
+          <p:nvPr userDrawn="1"/>
+        </p:nvPicPr>
+        <p:blipFill rotWithShape="1">
+          <a:blip r:embed="rId3">
+            <a:duotone>
+              <a:schemeClr val="accent5">
+                <a:shade val="45000"/>
+                <a:satMod val="135000"/>
+              </a:schemeClr>
+              <a:prstClr val="white"/>
+            </a:duotone>
+          </a:blip>
+          <a:srcRect r="8616"/>
+          <a:stretch/>
+        </p:blipFill>
+        <p:spPr>
+          <a:xfrm rot="5400000">
+            <a:off x="611500" y="5066936"/>
+            <a:ext cx="1187885" cy="2194989"/>
+          </a:xfrm>
+          <a:prstGeom prst="rect">
+            <a:avLst/>
+          </a:prstGeom>
+        </p:spPr>
+      </p:pic>
+    </p:spTree>
+    <p:extLst>
+      <p:ext uri="{BB962C8B-B14F-4D97-AF65-F5344CB8AC3E}">
+        <p14:creationId xmlns:p14="http://schemas.microsoft.com/office/powerpoint/2010/main" val="452484031"/>
+      </p:ext>
+    </p:extLst>
+  </p:cSld>
+  <p:clrMapOvr>
+    <a:masterClrMapping/>
+  </p:clrMapOvr>
+  <p:timing>
+    <p:tnLst>
+      <p:par>
+        <p:cTn id="1" dur="indefinite" restart="never" nodeType="tmRoot"/>
+      </p:par>
+    </p:tnLst>
+  </p:timing>
 </p:sldLayout>
 </file>
 
@@ -770,7 +962,7 @@
           <a:p>
             <a:fld id="{44C45681-1F18-48D6-B67C-99C3BD305862}" type="datetimeFigureOut">
               <a:rPr lang="ko-KR" altLang="en-US" smtClean="0"/>
-              <a:t>2020-07-14</a:t>
+              <a:t>2020-07-27</a:t>
             </a:fld>
             <a:endParaRPr lang="ko-KR" altLang="en-US"/>
           </a:p>
@@ -1016,7 +1208,7 @@
           <a:p>
             <a:fld id="{44C45681-1F18-48D6-B67C-99C3BD305862}" type="datetimeFigureOut">
               <a:rPr lang="ko-KR" altLang="en-US" smtClean="0"/>
-              <a:t>2020-07-14</a:t>
+              <a:t>2020-07-27</a:t>
             </a:fld>
             <a:endParaRPr lang="ko-KR" altLang="en-US"/>
           </a:p>
@@ -1248,7 +1440,7 @@
           <a:p>
             <a:fld id="{44C45681-1F18-48D6-B67C-99C3BD305862}" type="datetimeFigureOut">
               <a:rPr lang="ko-KR" altLang="en-US" smtClean="0"/>
-              <a:t>2020-07-14</a:t>
+              <a:t>2020-07-27</a:t>
             </a:fld>
             <a:endParaRPr lang="ko-KR" altLang="en-US"/>
           </a:p>
@@ -1615,7 +1807,7 @@
           <a:p>
             <a:fld id="{44C45681-1F18-48D6-B67C-99C3BD305862}" type="datetimeFigureOut">
               <a:rPr lang="ko-KR" altLang="en-US" smtClean="0"/>
-              <a:t>2020-07-14</a:t>
+              <a:t>2020-07-27</a:t>
             </a:fld>
             <a:endParaRPr lang="ko-KR" altLang="en-US"/>
           </a:p>
@@ -1733,7 +1925,7 @@
           <a:p>
             <a:fld id="{44C45681-1F18-48D6-B67C-99C3BD305862}" type="datetimeFigureOut">
               <a:rPr lang="ko-KR" altLang="en-US" smtClean="0"/>
-              <a:t>2020-07-14</a:t>
+              <a:t>2020-07-27</a:t>
             </a:fld>
             <a:endParaRPr lang="ko-KR" altLang="en-US"/>
           </a:p>
@@ -1828,7 +2020,7 @@
           <a:p>
             <a:fld id="{44C45681-1F18-48D6-B67C-99C3BD305862}" type="datetimeFigureOut">
               <a:rPr lang="ko-KR" altLang="en-US" smtClean="0"/>
-              <a:t>2020-07-14</a:t>
+              <a:t>2020-07-27</a:t>
             </a:fld>
             <a:endParaRPr lang="ko-KR" altLang="en-US"/>
           </a:p>
@@ -2105,7 +2297,7 @@
           <a:p>
             <a:fld id="{44C45681-1F18-48D6-B67C-99C3BD305862}" type="datetimeFigureOut">
               <a:rPr lang="ko-KR" altLang="en-US" smtClean="0"/>
-              <a:t>2020-07-14</a:t>
+              <a:t>2020-07-27</a:t>
             </a:fld>
             <a:endParaRPr lang="ko-KR" altLang="en-US"/>
           </a:p>
@@ -2358,7 +2550,7 @@
           <a:p>
             <a:fld id="{44C45681-1F18-48D6-B67C-99C3BD305862}" type="datetimeFigureOut">
               <a:rPr lang="ko-KR" altLang="en-US" smtClean="0"/>
-              <a:t>2020-07-14</a:t>
+              <a:t>2020-07-27</a:t>
             </a:fld>
             <a:endParaRPr lang="ko-KR" altLang="en-US"/>
           </a:p>
@@ -2571,7 +2763,7 @@
           <a:p>
             <a:fld id="{44C45681-1F18-48D6-B67C-99C3BD305862}" type="datetimeFigureOut">
               <a:rPr lang="ko-KR" altLang="en-US" smtClean="0"/>
-              <a:t>2020-07-14</a:t>
+              <a:t>2020-07-27</a:t>
             </a:fld>
             <a:endParaRPr lang="ko-KR" altLang="en-US"/>
           </a:p>
@@ -2675,6 +2867,7 @@
     <p:sldLayoutId id="2147483657" r:id="rId9"/>
     <p:sldLayoutId id="2147483658" r:id="rId10"/>
     <p:sldLayoutId id="2147483659" r:id="rId11"/>
+    <p:sldLayoutId id="2147483660" r:id="rId12"/>
   </p:sldLayoutIdLst>
   <p:txStyles>
     <p:titleStyle>
@@ -2988,31 +3181,186 @@
         </p:nvSpPr>
         <p:spPr>
           <a:xfrm>
-            <a:off x="101930" y="62304"/>
-            <a:ext cx="10515600" cy="1325563"/>
-          </a:xfrm>
-        </p:spPr>
-        <p:txBody>
-          <a:bodyPr/>
-          <a:lstStyle/>
-          <a:p>
-            <a:r>
-              <a:rPr lang="en-US" altLang="ko-KR" dirty="0" smtClean="0"/>
-              <a:t>main()</a:t>
-            </a:r>
-            <a:endParaRPr lang="ko-KR" altLang="en-US" dirty="0"/>
-          </a:p>
-        </p:txBody>
-      </p:sp>
+            <a:off x="1524000" y="2373747"/>
+            <a:ext cx="8885382" cy="2032000"/>
+          </a:xfrm>
+        </p:spPr>
+        <p:txBody>
+          <a:bodyPr>
+            <a:normAutofit/>
+          </a:bodyPr>
+          <a:lstStyle/>
+          <a:p>
+            <a:r>
+              <a:rPr lang="en-US" altLang="ko-KR" b="1" dirty="0" smtClean="0"/>
+              <a:t>Object Detection:</a:t>
+            </a:r>
+            <a:br>
+              <a:rPr lang="en-US" altLang="ko-KR" b="1" dirty="0" smtClean="0"/>
+            </a:br>
+            <a:r>
+              <a:rPr lang="en-US" altLang="ko-KR" b="1" dirty="0" smtClean="0"/>
+              <a:t>SSD </a:t>
+            </a:r>
+            <a:r>
+              <a:rPr lang="ko-KR" altLang="en-US" b="1" dirty="0" smtClean="0"/>
+              <a:t>구현</a:t>
+            </a:r>
+            <a:r>
+              <a:rPr lang="en-US" altLang="ko-KR" sz="3000" b="1" dirty="0">
+                <a:cs typeface="Arial" panose="020B0604020202020204" pitchFamily="34" charset="0"/>
+              </a:rPr>
+              <a:t/>
+            </a:r>
+            <a:br>
+              <a:rPr lang="en-US" altLang="ko-KR" sz="3000" b="1" dirty="0">
+                <a:cs typeface="Arial" panose="020B0604020202020204" pitchFamily="34" charset="0"/>
+              </a:rPr>
+            </a:br>
+            <a:endParaRPr lang="en-US" altLang="ko-KR" sz="900" b="1" dirty="0">
+              <a:cs typeface="Arial" panose="020B0604020202020204" pitchFamily="34" charset="0"/>
+            </a:endParaRPr>
+          </a:p>
+        </p:txBody>
+      </p:sp>
+      <p:sp>
+        <p:nvSpPr>
+          <p:cNvPr id="3" name="TextBox 2"/>
+          <p:cNvSpPr txBox="1"/>
+          <p:nvPr/>
+        </p:nvSpPr>
+        <p:spPr>
+          <a:xfrm>
+            <a:off x="4197733" y="5099994"/>
+            <a:ext cx="6358728" cy="1338828"/>
+          </a:xfrm>
+          <a:prstGeom prst="rect">
+            <a:avLst/>
+          </a:prstGeom>
+          <a:noFill/>
+        </p:spPr>
+        <p:txBody>
+          <a:bodyPr wrap="none" rtlCol="0">
+            <a:spAutoFit/>
+          </a:bodyPr>
+          <a:lstStyle/>
+          <a:p>
+            <a:pPr algn="r">
+              <a:lnSpc>
+                <a:spcPct val="150000"/>
+              </a:lnSpc>
+            </a:pPr>
+            <a:r>
+              <a:rPr lang="en-US" altLang="ko-KR" b="1" dirty="0">
+                <a:latin typeface="맑은 고딕" panose="020B0503020000020004" pitchFamily="50" charset="-127"/>
+                <a:ea typeface="맑은 고딕" panose="020B0503020000020004" pitchFamily="50" charset="-127"/>
+              </a:rPr>
+              <a:t>Seol Ki </a:t>
+            </a:r>
+            <a:r>
+              <a:rPr lang="en-US" altLang="ko-KR" b="1" dirty="0" err="1">
+                <a:latin typeface="맑은 고딕" panose="020B0503020000020004" pitchFamily="50" charset="-127"/>
+                <a:ea typeface="맑은 고딕" panose="020B0503020000020004" pitchFamily="50" charset="-127"/>
+              </a:rPr>
+              <a:t>Hyuk</a:t>
+            </a:r>
+            <a:endParaRPr lang="en-US" altLang="ko-KR" b="1" dirty="0">
+              <a:latin typeface="맑은 고딕" panose="020B0503020000020004" pitchFamily="50" charset="-127"/>
+              <a:ea typeface="맑은 고딕" panose="020B0503020000020004" pitchFamily="50" charset="-127"/>
+            </a:endParaRPr>
+          </a:p>
+          <a:p>
+            <a:pPr algn="r">
+              <a:lnSpc>
+                <a:spcPct val="150000"/>
+              </a:lnSpc>
+            </a:pPr>
+            <a:r>
+              <a:rPr lang="en-US" altLang="ko-KR" b="1" dirty="0">
+                <a:latin typeface="맑은 고딕" panose="020B0503020000020004" pitchFamily="50" charset="-127"/>
+                <a:ea typeface="맑은 고딕" panose="020B0503020000020004" pitchFamily="50" charset="-127"/>
+              </a:rPr>
+              <a:t>Integrated Display Electronics &amp; Algorithms (IDEA) Lab.</a:t>
+            </a:r>
+          </a:p>
+          <a:p>
+            <a:pPr algn="r">
+              <a:lnSpc>
+                <a:spcPct val="150000"/>
+              </a:lnSpc>
+            </a:pPr>
+            <a:r>
+              <a:rPr lang="en-US" altLang="ko-KR" b="1" dirty="0">
+                <a:latin typeface="맑은 고딕" panose="020B0503020000020004" pitchFamily="50" charset="-127"/>
+                <a:ea typeface="맑은 고딕" panose="020B0503020000020004" pitchFamily="50" charset="-127"/>
+              </a:rPr>
+              <a:t>Kyung </a:t>
+            </a:r>
+            <a:r>
+              <a:rPr lang="en-US" altLang="ko-KR" b="1" dirty="0" err="1">
+                <a:latin typeface="맑은 고딕" panose="020B0503020000020004" pitchFamily="50" charset="-127"/>
+                <a:ea typeface="맑은 고딕" panose="020B0503020000020004" pitchFamily="50" charset="-127"/>
+              </a:rPr>
+              <a:t>Hee</a:t>
+            </a:r>
+            <a:r>
+              <a:rPr lang="en-US" altLang="ko-KR" b="1" dirty="0">
+                <a:latin typeface="맑은 고딕" panose="020B0503020000020004" pitchFamily="50" charset="-127"/>
+                <a:ea typeface="맑은 고딕" panose="020B0503020000020004" pitchFamily="50" charset="-127"/>
+              </a:rPr>
+              <a:t> University</a:t>
+            </a:r>
+            <a:endParaRPr lang="ko-KR" altLang="en-US" sz="1350" dirty="0">
+              <a:latin typeface="맑은 고딕" panose="020B0503020000020004" pitchFamily="50" charset="-127"/>
+              <a:ea typeface="맑은 고딕" panose="020B0503020000020004" pitchFamily="50" charset="-127"/>
+            </a:endParaRPr>
+          </a:p>
+        </p:txBody>
+      </p:sp>
+    </p:spTree>
+    <p:extLst>
+      <p:ext uri="{BB962C8B-B14F-4D97-AF65-F5344CB8AC3E}">
+        <p14:creationId xmlns:p14="http://schemas.microsoft.com/office/powerpoint/2010/main" val="2499676634"/>
+      </p:ext>
+    </p:extLst>
+  </p:cSld>
+  <p:clrMapOvr>
+    <a:masterClrMapping/>
+  </p:clrMapOvr>
+  <p:timing>
+    <p:tnLst>
+      <p:par>
+        <p:cTn id="1" dur="indefinite" restart="never" nodeType="tmRoot"/>
+      </p:par>
+    </p:tnLst>
+  </p:timing>
+</p:sld>
+</file>
+
+<file path=ppt/slides/slide10.xml><?xml version="1.0" encoding="utf-8"?>
+<p:sld xmlns:a="http://schemas.openxmlformats.org/drawingml/2006/main" xmlns:r="http://schemas.openxmlformats.org/officeDocument/2006/relationships" xmlns:p="http://schemas.openxmlformats.org/presentationml/2006/main">
+  <p:cSld>
+    <p:spTree>
+      <p:nvGrpSpPr>
+        <p:cNvPr id="1" name=""/>
+        <p:cNvGrpSpPr/>
+        <p:nvPr/>
+      </p:nvGrpSpPr>
+      <p:grpSpPr>
+        <a:xfrm>
+          <a:off x="0" y="0"/>
+          <a:ext cx="0" cy="0"/>
+          <a:chOff x="0" y="0"/>
+          <a:chExt cx="0" cy="0"/>
+        </a:xfrm>
+      </p:grpSpPr>
       <p:pic>
         <p:nvPicPr>
-          <p:cNvPr id="4" name="내용 개체 틀 3"/>
+          <p:cNvPr id="7" name="그림 6"/>
           <p:cNvPicPr>
-            <a:picLocks noGrp="1" noChangeAspect="1"/>
+            <a:picLocks noChangeAspect="1"/>
           </p:cNvPicPr>
-          <p:nvPr>
-            <p:ph idx="1"/>
-          </p:nvPr>
+          <p:nvPr/>
         </p:nvPicPr>
         <p:blipFill>
           <a:blip r:embed="rId2"/>
@@ -3022,64 +3370,1213 @@
         </p:blipFill>
         <p:spPr>
           <a:xfrm>
-            <a:off x="474023" y="1562018"/>
-            <a:ext cx="11157260" cy="4565649"/>
+            <a:off x="511203" y="1363191"/>
+            <a:ext cx="11388598" cy="3340377"/>
           </a:xfrm>
           <a:prstGeom prst="rect">
             <a:avLst/>
           </a:prstGeom>
         </p:spPr>
       </p:pic>
-      <p:sp>
-        <p:nvSpPr>
-          <p:cNvPr id="3" name="직사각형 2"/>
-          <p:cNvSpPr/>
-          <p:nvPr/>
-        </p:nvSpPr>
-        <p:spPr>
-          <a:xfrm>
-            <a:off x="1122218" y="3485408"/>
-            <a:ext cx="3657600" cy="225631"/>
-          </a:xfrm>
-          <a:prstGeom prst="rect">
-            <a:avLst/>
-          </a:prstGeom>
-          <a:noFill/>
-          <a:ln>
-            <a:solidFill>
-              <a:srgbClr val="FF0000"/>
-            </a:solidFill>
-          </a:ln>
-        </p:spPr>
-        <p:style>
-          <a:lnRef idx="2">
-            <a:schemeClr val="accent1">
-              <a:shade val="50000"/>
-            </a:schemeClr>
-          </a:lnRef>
-          <a:fillRef idx="1">
-            <a:schemeClr val="accent1"/>
-          </a:fillRef>
-          <a:effectRef idx="0">
-            <a:schemeClr val="accent1"/>
-          </a:effectRef>
-          <a:fontRef idx="minor">
-            <a:schemeClr val="lt1"/>
-          </a:fontRef>
-        </p:style>
-        <p:txBody>
-          <a:bodyPr rtlCol="0" anchor="ctr"/>
-          <a:lstStyle/>
-          <a:p>
-            <a:pPr algn="ctr"/>
-            <a:endParaRPr lang="ko-KR" altLang="en-US"/>
-          </a:p>
-        </p:txBody>
-      </p:sp>
     </p:spTree>
     <p:extLst>
       <p:ext uri="{BB962C8B-B14F-4D97-AF65-F5344CB8AC3E}">
-        <p14:creationId xmlns:p14="http://schemas.microsoft.com/office/powerpoint/2010/main" val="527441299"/>
+        <p14:creationId xmlns:p14="http://schemas.microsoft.com/office/powerpoint/2010/main" val="3586492226"/>
+      </p:ext>
+    </p:extLst>
+  </p:cSld>
+  <p:clrMapOvr>
+    <a:masterClrMapping/>
+  </p:clrMapOvr>
+</p:sld>
+</file>
+
+<file path=ppt/slides/slide11.xml><?xml version="1.0" encoding="utf-8"?>
+<p:sld xmlns:a="http://schemas.openxmlformats.org/drawingml/2006/main" xmlns:r="http://schemas.openxmlformats.org/officeDocument/2006/relationships" xmlns:p="http://schemas.openxmlformats.org/presentationml/2006/main">
+  <p:cSld>
+    <p:spTree>
+      <p:nvGrpSpPr>
+        <p:cNvPr id="1" name=""/>
+        <p:cNvGrpSpPr/>
+        <p:nvPr/>
+      </p:nvGrpSpPr>
+      <p:grpSpPr>
+        <a:xfrm>
+          <a:off x="0" y="0"/>
+          <a:ext cx="0" cy="0"/>
+          <a:chOff x="0" y="0"/>
+          <a:chExt cx="0" cy="0"/>
+        </a:xfrm>
+      </p:grpSpPr>
+      <p:pic>
+        <p:nvPicPr>
+          <p:cNvPr id="7" name="그림 6"/>
+          <p:cNvPicPr>
+            <a:picLocks noChangeAspect="1"/>
+          </p:cNvPicPr>
+          <p:nvPr/>
+        </p:nvPicPr>
+        <p:blipFill rotWithShape="1">
+          <a:blip r:embed="rId2"/>
+          <a:srcRect r="42642"/>
+          <a:stretch/>
+        </p:blipFill>
+        <p:spPr>
+          <a:xfrm>
+            <a:off x="368392" y="403783"/>
+            <a:ext cx="4591735" cy="2348049"/>
+          </a:xfrm>
+          <a:prstGeom prst="rect">
+            <a:avLst/>
+          </a:prstGeom>
+        </p:spPr>
+      </p:pic>
+      <p:pic>
+        <p:nvPicPr>
+          <p:cNvPr id="4" name="그림 3"/>
+          <p:cNvPicPr>
+            <a:picLocks noChangeAspect="1"/>
+          </p:cNvPicPr>
+          <p:nvPr/>
+        </p:nvPicPr>
+        <p:blipFill rotWithShape="1">
+          <a:blip r:embed="rId2"/>
+          <a:srcRect l="57563" t="45045" r="32822"/>
+          <a:stretch/>
+        </p:blipFill>
+        <p:spPr>
+          <a:xfrm>
+            <a:off x="4262536" y="2751832"/>
+            <a:ext cx="769675" cy="1290383"/>
+          </a:xfrm>
+          <a:prstGeom prst="rect">
+            <a:avLst/>
+          </a:prstGeom>
+        </p:spPr>
+      </p:pic>
+      <p:pic>
+        <p:nvPicPr>
+          <p:cNvPr id="5" name="그림 4"/>
+          <p:cNvPicPr>
+            <a:picLocks noChangeAspect="1"/>
+          </p:cNvPicPr>
+          <p:nvPr/>
+        </p:nvPicPr>
+        <p:blipFill rotWithShape="1">
+          <a:blip r:embed="rId2"/>
+          <a:srcRect l="66644" t="57802" r="25138"/>
+          <a:stretch/>
+        </p:blipFill>
+        <p:spPr>
+          <a:xfrm>
+            <a:off x="4262536" y="4044281"/>
+            <a:ext cx="657842" cy="990842"/>
+          </a:xfrm>
+          <a:prstGeom prst="rect">
+            <a:avLst/>
+          </a:prstGeom>
+        </p:spPr>
+      </p:pic>
+      <p:pic>
+        <p:nvPicPr>
+          <p:cNvPr id="6" name="그림 5"/>
+          <p:cNvPicPr>
+            <a:picLocks noChangeAspect="1"/>
+          </p:cNvPicPr>
+          <p:nvPr/>
+        </p:nvPicPr>
+        <p:blipFill rotWithShape="1">
+          <a:blip r:embed="rId2"/>
+          <a:srcRect l="75190" t="73403" r="17578"/>
+          <a:stretch/>
+        </p:blipFill>
+        <p:spPr>
+          <a:xfrm>
+            <a:off x="4288850" y="5033084"/>
+            <a:ext cx="578901" cy="624504"/>
+          </a:xfrm>
+          <a:prstGeom prst="rect">
+            <a:avLst/>
+          </a:prstGeom>
+        </p:spPr>
+      </p:pic>
+      <p:pic>
+        <p:nvPicPr>
+          <p:cNvPr id="8" name="그림 7"/>
+          <p:cNvPicPr>
+            <a:picLocks noChangeAspect="1"/>
+          </p:cNvPicPr>
+          <p:nvPr/>
+        </p:nvPicPr>
+        <p:blipFill rotWithShape="1">
+          <a:blip r:embed="rId2"/>
+          <a:srcRect l="82586" r="6978"/>
+          <a:stretch/>
+        </p:blipFill>
+        <p:spPr>
+          <a:xfrm>
+            <a:off x="5177213" y="151304"/>
+            <a:ext cx="2295869" cy="5808742"/>
+          </a:xfrm>
+          <a:prstGeom prst="rect">
+            <a:avLst/>
+          </a:prstGeom>
+        </p:spPr>
+      </p:pic>
+    </p:spTree>
+    <p:extLst>
+      <p:ext uri="{BB962C8B-B14F-4D97-AF65-F5344CB8AC3E}">
+        <p14:creationId xmlns:p14="http://schemas.microsoft.com/office/powerpoint/2010/main" val="4125784228"/>
+      </p:ext>
+    </p:extLst>
+  </p:cSld>
+  <p:clrMapOvr>
+    <a:masterClrMapping/>
+  </p:clrMapOvr>
+</p:sld>
+</file>
+
+<file path=ppt/slides/slide12.xml><?xml version="1.0" encoding="utf-8"?>
+<p:sld xmlns:a="http://schemas.openxmlformats.org/drawingml/2006/main" xmlns:r="http://schemas.openxmlformats.org/officeDocument/2006/relationships" xmlns:p="http://schemas.openxmlformats.org/presentationml/2006/main">
+  <p:cSld>
+    <p:spTree>
+      <p:nvGrpSpPr>
+        <p:cNvPr id="1" name=""/>
+        <p:cNvGrpSpPr/>
+        <p:nvPr/>
+      </p:nvGrpSpPr>
+      <p:grpSpPr>
+        <a:xfrm>
+          <a:off x="0" y="0"/>
+          <a:ext cx="0" cy="0"/>
+          <a:chOff x="0" y="0"/>
+          <a:chExt cx="0" cy="0"/>
+        </a:xfrm>
+      </p:grpSpPr>
+      <p:pic>
+        <p:nvPicPr>
+          <p:cNvPr id="3" name="그림 2"/>
+          <p:cNvPicPr>
+            <a:picLocks noChangeAspect="1"/>
+          </p:cNvPicPr>
+          <p:nvPr/>
+        </p:nvPicPr>
+        <p:blipFill>
+          <a:blip r:embed="rId2"/>
+          <a:stretch>
+            <a:fillRect/>
+          </a:stretch>
+        </p:blipFill>
+        <p:spPr>
+          <a:xfrm>
+            <a:off x="1427517" y="1642343"/>
+            <a:ext cx="8819224" cy="2225959"/>
+          </a:xfrm>
+          <a:prstGeom prst="rect">
+            <a:avLst/>
+          </a:prstGeom>
+        </p:spPr>
+      </p:pic>
+      <p:sp>
+        <p:nvSpPr>
+          <p:cNvPr id="9" name="TextBox 8"/>
+          <p:cNvSpPr txBox="1"/>
+          <p:nvPr/>
+        </p:nvSpPr>
+        <p:spPr>
+          <a:xfrm>
+            <a:off x="1177537" y="4302285"/>
+            <a:ext cx="4626523" cy="369332"/>
+          </a:xfrm>
+          <a:prstGeom prst="rect">
+            <a:avLst/>
+          </a:prstGeom>
+          <a:noFill/>
+        </p:spPr>
+        <p:txBody>
+          <a:bodyPr wrap="none" rtlCol="0">
+            <a:spAutoFit/>
+          </a:bodyPr>
+          <a:lstStyle/>
+          <a:p>
+            <a:r>
+              <a:rPr lang="ko-KR" altLang="en-US" dirty="0" smtClean="0"/>
+              <a:t>최종 </a:t>
+            </a:r>
+            <a:r>
+              <a:rPr lang="en-US" altLang="ko-KR" dirty="0" smtClean="0"/>
+              <a:t>feature map size [38, 19, 17, 10, 9, 6]</a:t>
+            </a:r>
+            <a:endParaRPr lang="ko-KR" altLang="en-US" dirty="0"/>
+          </a:p>
+        </p:txBody>
+      </p:sp>
+      <p:sp>
+        <p:nvSpPr>
+          <p:cNvPr id="10" name="TextBox 9"/>
+          <p:cNvSpPr txBox="1"/>
+          <p:nvPr/>
+        </p:nvSpPr>
+        <p:spPr>
+          <a:xfrm>
+            <a:off x="618371" y="572323"/>
+            <a:ext cx="2302233" cy="369332"/>
+          </a:xfrm>
+          <a:prstGeom prst="rect">
+            <a:avLst/>
+          </a:prstGeom>
+          <a:noFill/>
+        </p:spPr>
+        <p:txBody>
+          <a:bodyPr wrap="none" rtlCol="0">
+            <a:spAutoFit/>
+          </a:bodyPr>
+          <a:lstStyle/>
+          <a:p>
+            <a:r>
+              <a:rPr lang="en-US" altLang="ko-KR" dirty="0" smtClean="0"/>
+              <a:t>Model 1. Dilation X </a:t>
+            </a:r>
+            <a:endParaRPr lang="ko-KR" altLang="en-US" dirty="0"/>
+          </a:p>
+        </p:txBody>
+      </p:sp>
+    </p:spTree>
+    <p:extLst>
+      <p:ext uri="{BB962C8B-B14F-4D97-AF65-F5344CB8AC3E}">
+        <p14:creationId xmlns:p14="http://schemas.microsoft.com/office/powerpoint/2010/main" val="58091874"/>
+      </p:ext>
+    </p:extLst>
+  </p:cSld>
+  <p:clrMapOvr>
+    <a:masterClrMapping/>
+  </p:clrMapOvr>
+</p:sld>
+</file>
+
+<file path=ppt/slides/slide13.xml><?xml version="1.0" encoding="utf-8"?>
+<p:sld xmlns:a="http://schemas.openxmlformats.org/drawingml/2006/main" xmlns:r="http://schemas.openxmlformats.org/officeDocument/2006/relationships" xmlns:p="http://schemas.openxmlformats.org/presentationml/2006/main">
+  <p:cSld>
+    <p:spTree>
+      <p:nvGrpSpPr>
+        <p:cNvPr id="1" name=""/>
+        <p:cNvGrpSpPr/>
+        <p:nvPr/>
+      </p:nvGrpSpPr>
+      <p:grpSpPr>
+        <a:xfrm>
+          <a:off x="0" y="0"/>
+          <a:ext cx="0" cy="0"/>
+          <a:chOff x="0" y="0"/>
+          <a:chExt cx="0" cy="0"/>
+        </a:xfrm>
+      </p:grpSpPr>
+      <p:pic>
+        <p:nvPicPr>
+          <p:cNvPr id="2" name="그림 1"/>
+          <p:cNvPicPr>
+            <a:picLocks noChangeAspect="1"/>
+          </p:cNvPicPr>
+          <p:nvPr/>
+        </p:nvPicPr>
+        <p:blipFill>
+          <a:blip r:embed="rId2"/>
+          <a:stretch>
+            <a:fillRect/>
+          </a:stretch>
+        </p:blipFill>
+        <p:spPr>
+          <a:xfrm>
+            <a:off x="1297560" y="1201717"/>
+            <a:ext cx="8583224" cy="2620713"/>
+          </a:xfrm>
+          <a:prstGeom prst="rect">
+            <a:avLst/>
+          </a:prstGeom>
+        </p:spPr>
+      </p:pic>
+      <p:sp>
+        <p:nvSpPr>
+          <p:cNvPr id="4" name="TextBox 3"/>
+          <p:cNvSpPr txBox="1"/>
+          <p:nvPr/>
+        </p:nvSpPr>
+        <p:spPr>
+          <a:xfrm>
+            <a:off x="1177537" y="4302285"/>
+            <a:ext cx="4626523" cy="369332"/>
+          </a:xfrm>
+          <a:prstGeom prst="rect">
+            <a:avLst/>
+          </a:prstGeom>
+          <a:noFill/>
+        </p:spPr>
+        <p:txBody>
+          <a:bodyPr wrap="none" rtlCol="0">
+            <a:spAutoFit/>
+          </a:bodyPr>
+          <a:lstStyle/>
+          <a:p>
+            <a:r>
+              <a:rPr lang="ko-KR" altLang="en-US" dirty="0" smtClean="0"/>
+              <a:t>최종 </a:t>
+            </a:r>
+            <a:r>
+              <a:rPr lang="en-US" altLang="ko-KR" dirty="0" smtClean="0"/>
+              <a:t>feature map size [38, 19, 10, 5, 3, 1]</a:t>
+            </a:r>
+            <a:endParaRPr lang="ko-KR" altLang="en-US" dirty="0"/>
+          </a:p>
+        </p:txBody>
+      </p:sp>
+      <p:sp>
+        <p:nvSpPr>
+          <p:cNvPr id="5" name="TextBox 4"/>
+          <p:cNvSpPr txBox="1"/>
+          <p:nvPr/>
+        </p:nvSpPr>
+        <p:spPr>
+          <a:xfrm>
+            <a:off x="618371" y="572323"/>
+            <a:ext cx="6380273" cy="369332"/>
+          </a:xfrm>
+          <a:prstGeom prst="rect">
+            <a:avLst/>
+          </a:prstGeom>
+          <a:noFill/>
+        </p:spPr>
+        <p:txBody>
+          <a:bodyPr wrap="none" rtlCol="0">
+            <a:spAutoFit/>
+          </a:bodyPr>
+          <a:lstStyle/>
+          <a:p>
+            <a:r>
+              <a:rPr lang="en-US" altLang="ko-KR" dirty="0" smtClean="0"/>
+              <a:t>Model 2. Dilation O, </a:t>
+            </a:r>
+            <a:r>
+              <a:rPr lang="ko-KR" altLang="en-US" dirty="0" smtClean="0"/>
+              <a:t>최종 </a:t>
+            </a:r>
+            <a:r>
+              <a:rPr lang="en-US" altLang="ko-KR" dirty="0" smtClean="0"/>
+              <a:t>feature map size </a:t>
+            </a:r>
+            <a:r>
+              <a:rPr lang="ko-KR" altLang="en-US" dirty="0" smtClean="0"/>
+              <a:t>원 논문과 동일</a:t>
+            </a:r>
+            <a:r>
+              <a:rPr lang="en-US" altLang="ko-KR" dirty="0" smtClean="0"/>
+              <a:t> </a:t>
+            </a:r>
+            <a:endParaRPr lang="ko-KR" altLang="en-US" dirty="0"/>
+          </a:p>
+        </p:txBody>
+      </p:sp>
+    </p:spTree>
+    <p:extLst>
+      <p:ext uri="{BB962C8B-B14F-4D97-AF65-F5344CB8AC3E}">
+        <p14:creationId xmlns:p14="http://schemas.microsoft.com/office/powerpoint/2010/main" val="1639585689"/>
+      </p:ext>
+    </p:extLst>
+  </p:cSld>
+  <p:clrMapOvr>
+    <a:masterClrMapping/>
+  </p:clrMapOvr>
+</p:sld>
+</file>
+
+<file path=ppt/slides/slide14.xml><?xml version="1.0" encoding="utf-8"?>
+<p:sld xmlns:a="http://schemas.openxmlformats.org/drawingml/2006/main" xmlns:r="http://schemas.openxmlformats.org/officeDocument/2006/relationships" xmlns:p="http://schemas.openxmlformats.org/presentationml/2006/main">
+  <p:cSld>
+    <p:spTree>
+      <p:nvGrpSpPr>
+        <p:cNvPr id="1" name=""/>
+        <p:cNvGrpSpPr/>
+        <p:nvPr/>
+      </p:nvGrpSpPr>
+      <p:grpSpPr>
+        <a:xfrm>
+          <a:off x="0" y="0"/>
+          <a:ext cx="0" cy="0"/>
+          <a:chOff x="0" y="0"/>
+          <a:chExt cx="0" cy="0"/>
+        </a:xfrm>
+      </p:grpSpPr>
+      <p:pic>
+        <p:nvPicPr>
+          <p:cNvPr id="7" name="그림 6"/>
+          <p:cNvPicPr>
+            <a:picLocks noChangeAspect="1"/>
+          </p:cNvPicPr>
+          <p:nvPr/>
+        </p:nvPicPr>
+        <p:blipFill rotWithShape="1">
+          <a:blip r:embed="rId2"/>
+          <a:srcRect r="42642"/>
+          <a:stretch/>
+        </p:blipFill>
+        <p:spPr>
+          <a:xfrm>
+            <a:off x="368392" y="403783"/>
+            <a:ext cx="4591735" cy="2348049"/>
+          </a:xfrm>
+          <a:prstGeom prst="rect">
+            <a:avLst/>
+          </a:prstGeom>
+        </p:spPr>
+      </p:pic>
+      <p:pic>
+        <p:nvPicPr>
+          <p:cNvPr id="4" name="그림 3"/>
+          <p:cNvPicPr>
+            <a:picLocks noChangeAspect="1"/>
+          </p:cNvPicPr>
+          <p:nvPr/>
+        </p:nvPicPr>
+        <p:blipFill rotWithShape="1">
+          <a:blip r:embed="rId2"/>
+          <a:srcRect l="57563" t="45045" r="32822"/>
+          <a:stretch/>
+        </p:blipFill>
+        <p:spPr>
+          <a:xfrm>
+            <a:off x="4262536" y="2751832"/>
+            <a:ext cx="769675" cy="1290383"/>
+          </a:xfrm>
+          <a:prstGeom prst="rect">
+            <a:avLst/>
+          </a:prstGeom>
+        </p:spPr>
+      </p:pic>
+      <p:pic>
+        <p:nvPicPr>
+          <p:cNvPr id="5" name="그림 4"/>
+          <p:cNvPicPr>
+            <a:picLocks noChangeAspect="1"/>
+          </p:cNvPicPr>
+          <p:nvPr/>
+        </p:nvPicPr>
+        <p:blipFill rotWithShape="1">
+          <a:blip r:embed="rId2"/>
+          <a:srcRect l="66644" t="57802" r="25138"/>
+          <a:stretch/>
+        </p:blipFill>
+        <p:spPr>
+          <a:xfrm>
+            <a:off x="4262536" y="4044281"/>
+            <a:ext cx="657842" cy="990842"/>
+          </a:xfrm>
+          <a:prstGeom prst="rect">
+            <a:avLst/>
+          </a:prstGeom>
+        </p:spPr>
+      </p:pic>
+      <p:pic>
+        <p:nvPicPr>
+          <p:cNvPr id="6" name="그림 5"/>
+          <p:cNvPicPr>
+            <a:picLocks noChangeAspect="1"/>
+          </p:cNvPicPr>
+          <p:nvPr/>
+        </p:nvPicPr>
+        <p:blipFill rotWithShape="1">
+          <a:blip r:embed="rId2"/>
+          <a:srcRect l="75190" t="73403" r="17578"/>
+          <a:stretch/>
+        </p:blipFill>
+        <p:spPr>
+          <a:xfrm>
+            <a:off x="4288850" y="5033084"/>
+            <a:ext cx="578901" cy="624504"/>
+          </a:xfrm>
+          <a:prstGeom prst="rect">
+            <a:avLst/>
+          </a:prstGeom>
+        </p:spPr>
+      </p:pic>
+      <p:pic>
+        <p:nvPicPr>
+          <p:cNvPr id="8" name="그림 7"/>
+          <p:cNvPicPr>
+            <a:picLocks noChangeAspect="1"/>
+          </p:cNvPicPr>
+          <p:nvPr/>
+        </p:nvPicPr>
+        <p:blipFill rotWithShape="1">
+          <a:blip r:embed="rId2"/>
+          <a:srcRect l="82586" r="6978"/>
+          <a:stretch/>
+        </p:blipFill>
+        <p:spPr>
+          <a:xfrm>
+            <a:off x="5177213" y="151304"/>
+            <a:ext cx="2295869" cy="5808742"/>
+          </a:xfrm>
+          <a:prstGeom prst="rect">
+            <a:avLst/>
+          </a:prstGeom>
+        </p:spPr>
+      </p:pic>
+      <p:pic>
+        <p:nvPicPr>
+          <p:cNvPr id="9" name="그림 8"/>
+          <p:cNvPicPr>
+            <a:picLocks noChangeAspect="1"/>
+          </p:cNvPicPr>
+          <p:nvPr/>
+        </p:nvPicPr>
+        <p:blipFill rotWithShape="1">
+          <a:blip r:embed="rId2"/>
+          <a:srcRect l="57563" t="45045" r="32822"/>
+          <a:stretch/>
+        </p:blipFill>
+        <p:spPr>
+          <a:xfrm>
+            <a:off x="2690294" y="2751832"/>
+            <a:ext cx="769675" cy="1290383"/>
+          </a:xfrm>
+          <a:prstGeom prst="rect">
+            <a:avLst/>
+          </a:prstGeom>
+        </p:spPr>
+      </p:pic>
+      <p:pic>
+        <p:nvPicPr>
+          <p:cNvPr id="10" name="그림 9"/>
+          <p:cNvPicPr>
+            <a:picLocks noChangeAspect="1"/>
+          </p:cNvPicPr>
+          <p:nvPr/>
+        </p:nvPicPr>
+        <p:blipFill rotWithShape="1">
+          <a:blip r:embed="rId2"/>
+          <a:srcRect l="66644" t="57802" r="25138"/>
+          <a:stretch/>
+        </p:blipFill>
+        <p:spPr>
+          <a:xfrm>
+            <a:off x="2690294" y="4044281"/>
+            <a:ext cx="657842" cy="990842"/>
+          </a:xfrm>
+          <a:prstGeom prst="rect">
+            <a:avLst/>
+          </a:prstGeom>
+        </p:spPr>
+      </p:pic>
+      <p:pic>
+        <p:nvPicPr>
+          <p:cNvPr id="11" name="그림 10"/>
+          <p:cNvPicPr>
+            <a:picLocks noChangeAspect="1"/>
+          </p:cNvPicPr>
+          <p:nvPr/>
+        </p:nvPicPr>
+        <p:blipFill rotWithShape="1">
+          <a:blip r:embed="rId2"/>
+          <a:srcRect l="75190" t="73403" r="17578"/>
+          <a:stretch/>
+        </p:blipFill>
+        <p:spPr>
+          <a:xfrm>
+            <a:off x="2716608" y="5033084"/>
+            <a:ext cx="578901" cy="624504"/>
+          </a:xfrm>
+          <a:prstGeom prst="rect">
+            <a:avLst/>
+          </a:prstGeom>
+        </p:spPr>
+      </p:pic>
+    </p:spTree>
+    <p:extLst>
+      <p:ext uri="{BB962C8B-B14F-4D97-AF65-F5344CB8AC3E}">
+        <p14:creationId xmlns:p14="http://schemas.microsoft.com/office/powerpoint/2010/main" val="638313805"/>
+      </p:ext>
+    </p:extLst>
+  </p:cSld>
+  <p:clrMapOvr>
+    <a:masterClrMapping/>
+  </p:clrMapOvr>
+</p:sld>
+</file>
+
+<file path=ppt/slides/slide15.xml><?xml version="1.0" encoding="utf-8"?>
+<p:sld xmlns:a="http://schemas.openxmlformats.org/drawingml/2006/main" xmlns:r="http://schemas.openxmlformats.org/officeDocument/2006/relationships" xmlns:p="http://schemas.openxmlformats.org/presentationml/2006/main">
+  <p:cSld>
+    <p:spTree>
+      <p:nvGrpSpPr>
+        <p:cNvPr id="1" name=""/>
+        <p:cNvGrpSpPr/>
+        <p:nvPr/>
+      </p:nvGrpSpPr>
+      <p:grpSpPr>
+        <a:xfrm>
+          <a:off x="0" y="0"/>
+          <a:ext cx="0" cy="0"/>
+          <a:chOff x="0" y="0"/>
+          <a:chExt cx="0" cy="0"/>
+        </a:xfrm>
+      </p:grpSpPr>
+      <p:pic>
+        <p:nvPicPr>
+          <p:cNvPr id="2" name="그림 1"/>
+          <p:cNvPicPr>
+            <a:picLocks noChangeAspect="1"/>
+          </p:cNvPicPr>
+          <p:nvPr/>
+        </p:nvPicPr>
+        <p:blipFill>
+          <a:blip r:embed="rId2"/>
+          <a:stretch>
+            <a:fillRect/>
+          </a:stretch>
+        </p:blipFill>
+        <p:spPr>
+          <a:xfrm>
+            <a:off x="1657760" y="809447"/>
+            <a:ext cx="5961999" cy="4697990"/>
+          </a:xfrm>
+          <a:prstGeom prst="rect">
+            <a:avLst/>
+          </a:prstGeom>
+        </p:spPr>
+      </p:pic>
+      <p:sp>
+        <p:nvSpPr>
+          <p:cNvPr id="3" name="TextBox 2"/>
+          <p:cNvSpPr txBox="1"/>
+          <p:nvPr/>
+        </p:nvSpPr>
+        <p:spPr>
+          <a:xfrm>
+            <a:off x="960449" y="5690993"/>
+            <a:ext cx="6817828" cy="369332"/>
+          </a:xfrm>
+          <a:prstGeom prst="rect">
+            <a:avLst/>
+          </a:prstGeom>
+          <a:noFill/>
+        </p:spPr>
+        <p:txBody>
+          <a:bodyPr wrap="none" rtlCol="0">
+            <a:spAutoFit/>
+          </a:bodyPr>
+          <a:lstStyle/>
+          <a:p>
+            <a:r>
+              <a:rPr lang="ko-KR" altLang="en-US" dirty="0" smtClean="0"/>
+              <a:t>최종 </a:t>
+            </a:r>
+            <a:r>
+              <a:rPr lang="en-US" altLang="ko-KR" dirty="0" smtClean="0"/>
+              <a:t>feature map size [38, 35, 32, 29, 25, 22, 19, 15, 10, 5, 3, 1]</a:t>
+            </a:r>
+            <a:endParaRPr lang="ko-KR" altLang="en-US" dirty="0"/>
+          </a:p>
+        </p:txBody>
+      </p:sp>
+      <p:sp>
+        <p:nvSpPr>
+          <p:cNvPr id="4" name="TextBox 3"/>
+          <p:cNvSpPr txBox="1"/>
+          <p:nvPr/>
+        </p:nvSpPr>
+        <p:spPr>
+          <a:xfrm>
+            <a:off x="644685" y="256559"/>
+            <a:ext cx="3018775" cy="369332"/>
+          </a:xfrm>
+          <a:prstGeom prst="rect">
+            <a:avLst/>
+          </a:prstGeom>
+          <a:noFill/>
+        </p:spPr>
+        <p:txBody>
+          <a:bodyPr wrap="none" rtlCol="0">
+            <a:spAutoFit/>
+          </a:bodyPr>
+          <a:lstStyle/>
+          <a:p>
+            <a:r>
+              <a:rPr lang="en-US" altLang="ko-KR" dirty="0" smtClean="0"/>
+              <a:t>Model 3. Parallel </a:t>
+            </a:r>
+            <a:r>
+              <a:rPr lang="ko-KR" altLang="en-US" dirty="0" smtClean="0"/>
+              <a:t>구조 최대</a:t>
+            </a:r>
+            <a:endParaRPr lang="ko-KR" altLang="en-US" dirty="0"/>
+          </a:p>
+        </p:txBody>
+      </p:sp>
+    </p:spTree>
+    <p:extLst>
+      <p:ext uri="{BB962C8B-B14F-4D97-AF65-F5344CB8AC3E}">
+        <p14:creationId xmlns:p14="http://schemas.microsoft.com/office/powerpoint/2010/main" val="835982854"/>
+      </p:ext>
+    </p:extLst>
+  </p:cSld>
+  <p:clrMapOvr>
+    <a:masterClrMapping/>
+  </p:clrMapOvr>
+</p:sld>
+</file>
+
+<file path=ppt/slides/slide16.xml><?xml version="1.0" encoding="utf-8"?>
+<p:sld xmlns:a="http://schemas.openxmlformats.org/drawingml/2006/main" xmlns:r="http://schemas.openxmlformats.org/officeDocument/2006/relationships" xmlns:p="http://schemas.openxmlformats.org/presentationml/2006/main">
+  <p:cSld>
+    <p:spTree>
+      <p:nvGrpSpPr>
+        <p:cNvPr id="1" name=""/>
+        <p:cNvGrpSpPr/>
+        <p:nvPr/>
+      </p:nvGrpSpPr>
+      <p:grpSpPr>
+        <a:xfrm>
+          <a:off x="0" y="0"/>
+          <a:ext cx="0" cy="0"/>
+          <a:chOff x="0" y="0"/>
+          <a:chExt cx="0" cy="0"/>
+        </a:xfrm>
+      </p:grpSpPr>
+      <p:pic>
+        <p:nvPicPr>
+          <p:cNvPr id="2" name="그림 1"/>
+          <p:cNvPicPr>
+            <a:picLocks noChangeAspect="1"/>
+          </p:cNvPicPr>
+          <p:nvPr/>
+        </p:nvPicPr>
+        <p:blipFill>
+          <a:blip r:embed="rId2"/>
+          <a:stretch>
+            <a:fillRect/>
+          </a:stretch>
+        </p:blipFill>
+        <p:spPr>
+          <a:xfrm>
+            <a:off x="705055" y="5259993"/>
+            <a:ext cx="10610850" cy="1219200"/>
+          </a:xfrm>
+          <a:prstGeom prst="rect">
+            <a:avLst/>
+          </a:prstGeom>
+        </p:spPr>
+      </p:pic>
+      <p:pic>
+        <p:nvPicPr>
+          <p:cNvPr id="3" name="그림 2"/>
+          <p:cNvPicPr>
+            <a:picLocks noChangeAspect="1"/>
+          </p:cNvPicPr>
+          <p:nvPr/>
+        </p:nvPicPr>
+        <p:blipFill>
+          <a:blip r:embed="rId3"/>
+          <a:stretch>
+            <a:fillRect/>
+          </a:stretch>
+        </p:blipFill>
+        <p:spPr>
+          <a:xfrm>
+            <a:off x="781736" y="3058039"/>
+            <a:ext cx="10668000" cy="1228725"/>
+          </a:xfrm>
+          <a:prstGeom prst="rect">
+            <a:avLst/>
+          </a:prstGeom>
+        </p:spPr>
+      </p:pic>
+      <p:pic>
+        <p:nvPicPr>
+          <p:cNvPr id="11" name="그림 10"/>
+          <p:cNvPicPr>
+            <a:picLocks noChangeAspect="1"/>
+          </p:cNvPicPr>
+          <p:nvPr/>
+        </p:nvPicPr>
+        <p:blipFill>
+          <a:blip r:embed="rId4"/>
+          <a:stretch>
+            <a:fillRect/>
+          </a:stretch>
+        </p:blipFill>
+        <p:spPr>
+          <a:xfrm>
+            <a:off x="781736" y="623339"/>
+            <a:ext cx="10639425" cy="1190625"/>
+          </a:xfrm>
+          <a:prstGeom prst="rect">
+            <a:avLst/>
+          </a:prstGeom>
+        </p:spPr>
+      </p:pic>
+      <p:sp>
+        <p:nvSpPr>
+          <p:cNvPr id="12" name="TextBox 11"/>
+          <p:cNvSpPr txBox="1"/>
+          <p:nvPr/>
+        </p:nvSpPr>
+        <p:spPr>
+          <a:xfrm>
+            <a:off x="781736" y="184197"/>
+            <a:ext cx="1061509" cy="369332"/>
+          </a:xfrm>
+          <a:prstGeom prst="rect">
+            <a:avLst/>
+          </a:prstGeom>
+          <a:noFill/>
+        </p:spPr>
+        <p:txBody>
+          <a:bodyPr wrap="none" rtlCol="0">
+            <a:spAutoFit/>
+          </a:bodyPr>
+          <a:lstStyle/>
+          <a:p>
+            <a:r>
+              <a:rPr lang="en-US" altLang="ko-KR" dirty="0" smtClean="0"/>
+              <a:t>Model 1</a:t>
+            </a:r>
+            <a:endParaRPr lang="ko-KR" altLang="en-US" dirty="0"/>
+          </a:p>
+        </p:txBody>
+      </p:sp>
+      <p:sp>
+        <p:nvSpPr>
+          <p:cNvPr id="13" name="TextBox 12"/>
+          <p:cNvSpPr txBox="1"/>
+          <p:nvPr/>
+        </p:nvSpPr>
+        <p:spPr>
+          <a:xfrm>
+            <a:off x="781736" y="2417861"/>
+            <a:ext cx="1061509" cy="369332"/>
+          </a:xfrm>
+          <a:prstGeom prst="rect">
+            <a:avLst/>
+          </a:prstGeom>
+          <a:noFill/>
+        </p:spPr>
+        <p:txBody>
+          <a:bodyPr wrap="none" rtlCol="0">
+            <a:spAutoFit/>
+          </a:bodyPr>
+          <a:lstStyle/>
+          <a:p>
+            <a:r>
+              <a:rPr lang="en-US" altLang="ko-KR" dirty="0" smtClean="0"/>
+              <a:t>Model 2</a:t>
+            </a:r>
+            <a:endParaRPr lang="ko-KR" altLang="en-US" dirty="0"/>
+          </a:p>
+        </p:txBody>
+      </p:sp>
+      <p:sp>
+        <p:nvSpPr>
+          <p:cNvPr id="14" name="TextBox 13"/>
+          <p:cNvSpPr txBox="1"/>
+          <p:nvPr/>
+        </p:nvSpPr>
+        <p:spPr>
+          <a:xfrm>
+            <a:off x="781736" y="4680836"/>
+            <a:ext cx="1061509" cy="369332"/>
+          </a:xfrm>
+          <a:prstGeom prst="rect">
+            <a:avLst/>
+          </a:prstGeom>
+          <a:noFill/>
+        </p:spPr>
+        <p:txBody>
+          <a:bodyPr wrap="none" rtlCol="0">
+            <a:spAutoFit/>
+          </a:bodyPr>
+          <a:lstStyle/>
+          <a:p>
+            <a:r>
+              <a:rPr lang="en-US" altLang="ko-KR" dirty="0" smtClean="0"/>
+              <a:t>Model 3</a:t>
+            </a:r>
+            <a:endParaRPr lang="ko-KR" altLang="en-US" dirty="0"/>
+          </a:p>
+        </p:txBody>
+      </p:sp>
+    </p:spTree>
+    <p:extLst>
+      <p:ext uri="{BB962C8B-B14F-4D97-AF65-F5344CB8AC3E}">
+        <p14:creationId xmlns:p14="http://schemas.microsoft.com/office/powerpoint/2010/main" val="456427332"/>
+      </p:ext>
+    </p:extLst>
+  </p:cSld>
+  <p:clrMapOvr>
+    <a:masterClrMapping/>
+  </p:clrMapOvr>
+</p:sld>
+</file>
+
+<file path=ppt/slides/slide17.xml><?xml version="1.0" encoding="utf-8"?>
+<p:sld xmlns:a="http://schemas.openxmlformats.org/drawingml/2006/main" xmlns:r="http://schemas.openxmlformats.org/officeDocument/2006/relationships" xmlns:p="http://schemas.openxmlformats.org/presentationml/2006/main">
+  <p:cSld>
+    <p:spTree>
+      <p:nvGrpSpPr>
+        <p:cNvPr id="1" name=""/>
+        <p:cNvGrpSpPr/>
+        <p:nvPr/>
+      </p:nvGrpSpPr>
+      <p:grpSpPr>
+        <a:xfrm>
+          <a:off x="0" y="0"/>
+          <a:ext cx="0" cy="0"/>
+          <a:chOff x="0" y="0"/>
+          <a:chExt cx="0" cy="0"/>
+        </a:xfrm>
+      </p:grpSpPr>
+      <p:sp>
+        <p:nvSpPr>
+          <p:cNvPr id="12" name="TextBox 11"/>
+          <p:cNvSpPr txBox="1"/>
+          <p:nvPr/>
+        </p:nvSpPr>
+        <p:spPr>
+          <a:xfrm>
+            <a:off x="781736" y="184197"/>
+            <a:ext cx="1061509" cy="369332"/>
+          </a:xfrm>
+          <a:prstGeom prst="rect">
+            <a:avLst/>
+          </a:prstGeom>
+          <a:noFill/>
+        </p:spPr>
+        <p:txBody>
+          <a:bodyPr wrap="none" rtlCol="0">
+            <a:spAutoFit/>
+          </a:bodyPr>
+          <a:lstStyle/>
+          <a:p>
+            <a:r>
+              <a:rPr lang="en-US" altLang="ko-KR" dirty="0" smtClean="0"/>
+              <a:t>Model 1</a:t>
+            </a:r>
+            <a:endParaRPr lang="ko-KR" altLang="en-US" dirty="0"/>
+          </a:p>
+        </p:txBody>
+      </p:sp>
+      <p:sp>
+        <p:nvSpPr>
+          <p:cNvPr id="13" name="TextBox 12"/>
+          <p:cNvSpPr txBox="1"/>
+          <p:nvPr/>
+        </p:nvSpPr>
+        <p:spPr>
+          <a:xfrm>
+            <a:off x="781736" y="2417861"/>
+            <a:ext cx="1061509" cy="369332"/>
+          </a:xfrm>
+          <a:prstGeom prst="rect">
+            <a:avLst/>
+          </a:prstGeom>
+          <a:noFill/>
+        </p:spPr>
+        <p:txBody>
+          <a:bodyPr wrap="none" rtlCol="0">
+            <a:spAutoFit/>
+          </a:bodyPr>
+          <a:lstStyle/>
+          <a:p>
+            <a:r>
+              <a:rPr lang="en-US" altLang="ko-KR" dirty="0" smtClean="0"/>
+              <a:t>Model 2</a:t>
+            </a:r>
+            <a:endParaRPr lang="ko-KR" altLang="en-US" dirty="0"/>
+          </a:p>
+        </p:txBody>
+      </p:sp>
+      <p:sp>
+        <p:nvSpPr>
+          <p:cNvPr id="14" name="TextBox 13"/>
+          <p:cNvSpPr txBox="1"/>
+          <p:nvPr/>
+        </p:nvSpPr>
+        <p:spPr>
+          <a:xfrm>
+            <a:off x="781736" y="4680836"/>
+            <a:ext cx="1061509" cy="369332"/>
+          </a:xfrm>
+          <a:prstGeom prst="rect">
+            <a:avLst/>
+          </a:prstGeom>
+          <a:noFill/>
+        </p:spPr>
+        <p:txBody>
+          <a:bodyPr wrap="none" rtlCol="0">
+            <a:spAutoFit/>
+          </a:bodyPr>
+          <a:lstStyle/>
+          <a:p>
+            <a:r>
+              <a:rPr lang="en-US" altLang="ko-KR" dirty="0" smtClean="0"/>
+              <a:t>Model 3</a:t>
+            </a:r>
+            <a:endParaRPr lang="ko-KR" altLang="en-US" dirty="0"/>
+          </a:p>
+        </p:txBody>
+      </p:sp>
+      <p:pic>
+        <p:nvPicPr>
+          <p:cNvPr id="4" name="그림 3"/>
+          <p:cNvPicPr>
+            <a:picLocks noChangeAspect="1"/>
+          </p:cNvPicPr>
+          <p:nvPr/>
+        </p:nvPicPr>
+        <p:blipFill>
+          <a:blip r:embed="rId2"/>
+          <a:stretch>
+            <a:fillRect/>
+          </a:stretch>
+        </p:blipFill>
+        <p:spPr>
+          <a:xfrm>
+            <a:off x="1843245" y="970977"/>
+            <a:ext cx="3952875" cy="333375"/>
+          </a:xfrm>
+          <a:prstGeom prst="rect">
+            <a:avLst/>
+          </a:prstGeom>
+        </p:spPr>
+      </p:pic>
+      <p:pic>
+        <p:nvPicPr>
+          <p:cNvPr id="5" name="그림 4"/>
+          <p:cNvPicPr>
+            <a:picLocks noChangeAspect="1"/>
+          </p:cNvPicPr>
+          <p:nvPr/>
+        </p:nvPicPr>
+        <p:blipFill>
+          <a:blip r:embed="rId3"/>
+          <a:stretch>
+            <a:fillRect/>
+          </a:stretch>
+        </p:blipFill>
+        <p:spPr>
+          <a:xfrm>
+            <a:off x="1967070" y="3320143"/>
+            <a:ext cx="3829050" cy="304800"/>
+          </a:xfrm>
+          <a:prstGeom prst="rect">
+            <a:avLst/>
+          </a:prstGeom>
+        </p:spPr>
+      </p:pic>
+      <p:pic>
+        <p:nvPicPr>
+          <p:cNvPr id="6" name="그림 5"/>
+          <p:cNvPicPr>
+            <a:picLocks noChangeAspect="1"/>
+          </p:cNvPicPr>
+          <p:nvPr/>
+        </p:nvPicPr>
+        <p:blipFill>
+          <a:blip r:embed="rId4"/>
+          <a:stretch>
+            <a:fillRect/>
+          </a:stretch>
+        </p:blipFill>
+        <p:spPr>
+          <a:xfrm>
+            <a:off x="1967070" y="5464521"/>
+            <a:ext cx="3857625" cy="352425"/>
+          </a:xfrm>
+          <a:prstGeom prst="rect">
+            <a:avLst/>
+          </a:prstGeom>
+        </p:spPr>
+      </p:pic>
+    </p:spTree>
+    <p:extLst>
+      <p:ext uri="{BB962C8B-B14F-4D97-AF65-F5344CB8AC3E}">
+        <p14:creationId xmlns:p14="http://schemas.microsoft.com/office/powerpoint/2010/main" val="2339648791"/>
+      </p:ext>
+    </p:extLst>
+  </p:cSld>
+  <p:clrMapOvr>
+    <a:masterClrMapping/>
+  </p:clrMapOvr>
+</p:sld>
+</file>
+
+<file path=ppt/slides/slide18.xml><?xml version="1.0" encoding="utf-8"?>
+<p:sld xmlns:a="http://schemas.openxmlformats.org/drawingml/2006/main" xmlns:r="http://schemas.openxmlformats.org/officeDocument/2006/relationships" xmlns:p="http://schemas.openxmlformats.org/presentationml/2006/main">
+  <p:cSld>
+    <p:spTree>
+      <p:nvGrpSpPr>
+        <p:cNvPr id="1" name=""/>
+        <p:cNvGrpSpPr/>
+        <p:nvPr/>
+      </p:nvGrpSpPr>
+      <p:grpSpPr>
+        <a:xfrm>
+          <a:off x="0" y="0"/>
+          <a:ext cx="0" cy="0"/>
+          <a:chOff x="0" y="0"/>
+          <a:chExt cx="0" cy="0"/>
+        </a:xfrm>
+      </p:grpSpPr>
+      <p:pic>
+        <p:nvPicPr>
+          <p:cNvPr id="4" name="그림 3"/>
+          <p:cNvPicPr>
+            <a:picLocks noChangeAspect="1"/>
+          </p:cNvPicPr>
+          <p:nvPr/>
+        </p:nvPicPr>
+        <p:blipFill>
+          <a:blip r:embed="rId2"/>
+          <a:stretch>
+            <a:fillRect/>
+          </a:stretch>
+        </p:blipFill>
+        <p:spPr>
+          <a:xfrm>
+            <a:off x="635329" y="853990"/>
+            <a:ext cx="5943601" cy="4654999"/>
+          </a:xfrm>
+          <a:prstGeom prst="rect">
+            <a:avLst/>
+          </a:prstGeom>
+        </p:spPr>
+      </p:pic>
+      <p:pic>
+        <p:nvPicPr>
+          <p:cNvPr id="5" name="그림 4"/>
+          <p:cNvPicPr>
+            <a:picLocks noChangeAspect="1"/>
+          </p:cNvPicPr>
+          <p:nvPr/>
+        </p:nvPicPr>
+        <p:blipFill>
+          <a:blip r:embed="rId3"/>
+          <a:stretch>
+            <a:fillRect/>
+          </a:stretch>
+        </p:blipFill>
+        <p:spPr>
+          <a:xfrm>
+            <a:off x="7386451" y="974891"/>
+            <a:ext cx="3079976" cy="2783910"/>
+          </a:xfrm>
+          <a:prstGeom prst="rect">
+            <a:avLst/>
+          </a:prstGeom>
+        </p:spPr>
+      </p:pic>
+    </p:spTree>
+    <p:extLst>
+      <p:ext uri="{BB962C8B-B14F-4D97-AF65-F5344CB8AC3E}">
+        <p14:creationId xmlns:p14="http://schemas.microsoft.com/office/powerpoint/2010/main" val="2244524243"/>
       </p:ext>
     </p:extLst>
   </p:cSld>
@@ -3118,7 +4615,7 @@
         </p:nvSpPr>
         <p:spPr>
           <a:xfrm>
-            <a:off x="566351" y="126227"/>
+            <a:off x="101930" y="62304"/>
             <a:ext cx="10515600" cy="1325563"/>
           </a:xfrm>
         </p:spPr>
@@ -3128,38 +4625,21 @@
           <a:p>
             <a:r>
               <a:rPr lang="en-US" altLang="ko-KR" dirty="0" smtClean="0"/>
-              <a:t>SSD300 (model.py)</a:t>
-            </a:r>
-            <a:endParaRPr lang="ko-KR" altLang="en-US" dirty="0"/>
-          </a:p>
-        </p:txBody>
-      </p:sp>
-      <p:sp>
-        <p:nvSpPr>
-          <p:cNvPr id="3" name="내용 개체 틀 2"/>
-          <p:cNvSpPr>
-            <a:spLocks noGrp="1"/>
-          </p:cNvSpPr>
-          <p:nvPr>
-            <p:ph idx="1"/>
-          </p:nvPr>
-        </p:nvSpPr>
-        <p:spPr/>
-        <p:txBody>
-          <a:bodyPr/>
-          <a:lstStyle/>
-          <a:p>
+              <a:t>main()</a:t>
+            </a:r>
             <a:endParaRPr lang="ko-KR" altLang="en-US" dirty="0"/>
           </a:p>
         </p:txBody>
       </p:sp>
       <p:pic>
         <p:nvPicPr>
-          <p:cNvPr id="5" name="그림 4"/>
+          <p:cNvPr id="4" name="내용 개체 틀 3"/>
           <p:cNvPicPr>
-            <a:picLocks noChangeAspect="1"/>
+            <a:picLocks noGrp="1" noChangeAspect="1"/>
           </p:cNvPicPr>
-          <p:nvPr/>
+          <p:nvPr>
+            <p:ph idx="1"/>
+          </p:nvPr>
         </p:nvPicPr>
         <p:blipFill>
           <a:blip r:embed="rId2"/>
@@ -3169,203 +4649,64 @@
         </p:blipFill>
         <p:spPr>
           <a:xfrm>
-            <a:off x="897925" y="1390627"/>
-            <a:ext cx="9405164" cy="3679763"/>
+            <a:off x="474023" y="1562018"/>
+            <a:ext cx="11157260" cy="4565649"/>
           </a:xfrm>
           <a:prstGeom prst="rect">
             <a:avLst/>
           </a:prstGeom>
         </p:spPr>
       </p:pic>
-      <p:cxnSp>
-        <p:nvCxnSpPr>
-          <p:cNvPr id="7" name="직선 화살표 연결선 6"/>
-          <p:cNvCxnSpPr/>
-          <p:nvPr/>
-        </p:nvCxnSpPr>
-        <p:spPr>
-          <a:xfrm flipV="1">
-            <a:off x="3188043" y="2792627"/>
-            <a:ext cx="2734962" cy="345989"/>
-          </a:xfrm>
-          <a:prstGeom prst="straightConnector1">
-            <a:avLst/>
-          </a:prstGeom>
+      <p:sp>
+        <p:nvSpPr>
+          <p:cNvPr id="3" name="직사각형 2"/>
+          <p:cNvSpPr/>
+          <p:nvPr/>
+        </p:nvSpPr>
+        <p:spPr>
+          <a:xfrm>
+            <a:off x="1122218" y="3485408"/>
+            <a:ext cx="3657600" cy="225631"/>
+          </a:xfrm>
+          <a:prstGeom prst="rect">
+            <a:avLst/>
+          </a:prstGeom>
+          <a:noFill/>
           <a:ln>
-            <a:tailEnd type="triangle"/>
+            <a:solidFill>
+              <a:srgbClr val="FF0000"/>
+            </a:solidFill>
           </a:ln>
         </p:spPr>
         <p:style>
-          <a:lnRef idx="1">
-            <a:schemeClr val="accent1"/>
+          <a:lnRef idx="2">
+            <a:schemeClr val="accent1">
+              <a:shade val="50000"/>
+            </a:schemeClr>
           </a:lnRef>
-          <a:fillRef idx="0">
+          <a:fillRef idx="1">
             <a:schemeClr val="accent1"/>
           </a:fillRef>
           <a:effectRef idx="0">
             <a:schemeClr val="accent1"/>
           </a:effectRef>
           <a:fontRef idx="minor">
-            <a:schemeClr val="tx1"/>
+            <a:schemeClr val="lt1"/>
           </a:fontRef>
         </p:style>
-      </p:cxnSp>
-      <p:sp>
-        <p:nvSpPr>
-          <p:cNvPr id="8" name="TextBox 7"/>
-          <p:cNvSpPr txBox="1"/>
-          <p:nvPr/>
-        </p:nvSpPr>
-        <p:spPr>
-          <a:xfrm>
-            <a:off x="5977158" y="2596289"/>
-            <a:ext cx="4471930" cy="369332"/>
-          </a:xfrm>
-          <a:prstGeom prst="rect">
-            <a:avLst/>
-          </a:prstGeom>
-          <a:noFill/>
-        </p:spPr>
-        <p:txBody>
-          <a:bodyPr wrap="none" rtlCol="0">
-            <a:spAutoFit/>
-          </a:bodyPr>
-          <a:lstStyle/>
-          <a:p>
-            <a:r>
-              <a:rPr lang="en-US" altLang="ko-KR" dirty="0" smtClean="0"/>
-              <a:t>ImageNet </a:t>
-            </a:r>
-            <a:r>
-              <a:rPr lang="en-US" altLang="ko-KR" dirty="0" err="1" smtClean="0"/>
-              <a:t>pretrainded</a:t>
-            </a:r>
-            <a:r>
-              <a:rPr lang="en-US" altLang="ko-KR" dirty="0" smtClean="0"/>
-              <a:t> parameter update</a:t>
-            </a:r>
-            <a:endParaRPr lang="ko-KR" altLang="en-US" dirty="0"/>
-          </a:p>
-        </p:txBody>
-      </p:sp>
-      <p:pic>
-        <p:nvPicPr>
-          <p:cNvPr id="4" name="그림 3"/>
-          <p:cNvPicPr>
-            <a:picLocks noChangeAspect="1"/>
-          </p:cNvPicPr>
-          <p:nvPr/>
-        </p:nvPicPr>
-        <p:blipFill>
-          <a:blip r:embed="rId3"/>
-          <a:stretch>
-            <a:fillRect/>
-          </a:stretch>
-        </p:blipFill>
-        <p:spPr>
-          <a:xfrm>
-            <a:off x="5533901" y="4639244"/>
-            <a:ext cx="6517204" cy="1911554"/>
-          </a:xfrm>
-          <a:prstGeom prst="rect">
-            <a:avLst/>
-          </a:prstGeom>
-        </p:spPr>
-      </p:pic>
-      <p:sp>
-        <p:nvSpPr>
-          <p:cNvPr id="9" name="TextBox 8"/>
-          <p:cNvSpPr txBox="1"/>
-          <p:nvPr/>
-        </p:nvSpPr>
-        <p:spPr>
-          <a:xfrm>
-            <a:off x="6897495" y="6488668"/>
-            <a:ext cx="1126847" cy="369332"/>
-          </a:xfrm>
-          <a:prstGeom prst="rect">
-            <a:avLst/>
-          </a:prstGeom>
-          <a:noFill/>
-        </p:spPr>
-        <p:txBody>
-          <a:bodyPr wrap="none" rtlCol="0">
-            <a:spAutoFit/>
-          </a:bodyPr>
-          <a:lstStyle/>
-          <a:p>
-            <a:r>
-              <a:rPr lang="en-US" altLang="ko-KR" dirty="0" err="1" smtClean="0"/>
-              <a:t>VGGBase</a:t>
-            </a:r>
-            <a:endParaRPr lang="ko-KR" altLang="en-US" dirty="0"/>
-          </a:p>
-        </p:txBody>
-      </p:sp>
-      <p:sp>
-        <p:nvSpPr>
-          <p:cNvPr id="10" name="TextBox 9"/>
-          <p:cNvSpPr txBox="1"/>
-          <p:nvPr/>
-        </p:nvSpPr>
-        <p:spPr>
-          <a:xfrm>
-            <a:off x="9176242" y="6488668"/>
-            <a:ext cx="1071512" cy="369332"/>
-          </a:xfrm>
-          <a:prstGeom prst="rect">
-            <a:avLst/>
-          </a:prstGeom>
-          <a:noFill/>
-        </p:spPr>
-        <p:txBody>
-          <a:bodyPr wrap="none" rtlCol="0">
-            <a:spAutoFit/>
-          </a:bodyPr>
-          <a:lstStyle/>
-          <a:p>
-            <a:r>
-              <a:rPr lang="en-US" altLang="ko-KR" dirty="0" smtClean="0"/>
-              <a:t>Auxiliary</a:t>
-            </a:r>
-            <a:endParaRPr lang="ko-KR" altLang="en-US" dirty="0"/>
-          </a:p>
-        </p:txBody>
-      </p:sp>
-      <p:sp>
-        <p:nvSpPr>
-          <p:cNvPr id="11" name="TextBox 10"/>
-          <p:cNvSpPr txBox="1"/>
-          <p:nvPr/>
-        </p:nvSpPr>
-        <p:spPr>
-          <a:xfrm>
-            <a:off x="10818044" y="6488668"/>
-            <a:ext cx="1229760" cy="369332"/>
-          </a:xfrm>
-          <a:prstGeom prst="rect">
-            <a:avLst/>
-          </a:prstGeom>
-          <a:noFill/>
-        </p:spPr>
-        <p:txBody>
-          <a:bodyPr wrap="none" rtlCol="0">
-            <a:spAutoFit/>
-          </a:bodyPr>
-          <a:lstStyle/>
-          <a:p>
-            <a:r>
-              <a:rPr lang="en-US" altLang="ko-KR" dirty="0" smtClean="0"/>
-              <a:t>Prediction</a:t>
-            </a:r>
-            <a:endParaRPr lang="ko-KR" altLang="en-US" dirty="0"/>
+        <p:txBody>
+          <a:bodyPr rtlCol="0" anchor="ctr"/>
+          <a:lstStyle/>
+          <a:p>
+            <a:pPr algn="ctr"/>
+            <a:endParaRPr lang="ko-KR" altLang="en-US"/>
           </a:p>
         </p:txBody>
       </p:sp>
     </p:spTree>
     <p:extLst>
       <p:ext uri="{BB962C8B-B14F-4D97-AF65-F5344CB8AC3E}">
-        <p14:creationId xmlns:p14="http://schemas.microsoft.com/office/powerpoint/2010/main" val="1471056121"/>
+        <p14:creationId xmlns:p14="http://schemas.microsoft.com/office/powerpoint/2010/main" val="527441299"/>
       </p:ext>
     </p:extLst>
   </p:cSld>
@@ -3402,37 +4743,46 @@
             <p:ph type="title"/>
           </p:nvPr>
         </p:nvSpPr>
+        <p:spPr>
+          <a:xfrm>
+            <a:off x="566351" y="126227"/>
+            <a:ext cx="10515600" cy="1325563"/>
+          </a:xfrm>
+        </p:spPr>
+        <p:txBody>
+          <a:bodyPr/>
+          <a:lstStyle/>
+          <a:p>
+            <a:r>
+              <a:rPr lang="en-US" altLang="ko-KR" dirty="0" smtClean="0"/>
+              <a:t>SSD300 (model.py)</a:t>
+            </a:r>
+            <a:endParaRPr lang="ko-KR" altLang="en-US" dirty="0"/>
+          </a:p>
+        </p:txBody>
+      </p:sp>
+      <p:sp>
+        <p:nvSpPr>
+          <p:cNvPr id="3" name="내용 개체 틀 2"/>
+          <p:cNvSpPr>
+            <a:spLocks noGrp="1"/>
+          </p:cNvSpPr>
+          <p:nvPr>
+            <p:ph idx="1"/>
+          </p:nvPr>
+        </p:nvSpPr>
         <p:spPr/>
         <p:txBody>
           <a:bodyPr/>
           <a:lstStyle/>
           <a:p>
-            <a:endParaRPr lang="ko-KR" altLang="en-US"/>
-          </a:p>
-        </p:txBody>
-      </p:sp>
-      <p:sp>
-        <p:nvSpPr>
-          <p:cNvPr id="3" name="내용 개체 틀 2"/>
-          <p:cNvSpPr>
-            <a:spLocks noGrp="1"/>
-          </p:cNvSpPr>
-          <p:nvPr>
-            <p:ph idx="1"/>
-          </p:nvPr>
-        </p:nvSpPr>
-        <p:spPr/>
-        <p:txBody>
-          <a:bodyPr/>
-          <a:lstStyle/>
-          <a:p>
-            <a:endParaRPr lang="ko-KR" altLang="en-US"/>
+            <a:endParaRPr lang="ko-KR" altLang="en-US" dirty="0"/>
           </a:p>
         </p:txBody>
       </p:sp>
       <p:pic>
         <p:nvPicPr>
-          <p:cNvPr id="4" name="그림 3"/>
+          <p:cNvPr id="5" name="그림 4"/>
           <p:cNvPicPr>
             <a:picLocks noChangeAspect="1"/>
           </p:cNvPicPr>
@@ -3446,41 +4796,203 @@
         </p:blipFill>
         <p:spPr>
           <a:xfrm>
-            <a:off x="604837" y="385762"/>
-            <a:ext cx="10982325" cy="6086475"/>
+            <a:off x="897925" y="1390627"/>
+            <a:ext cx="9405164" cy="3679763"/>
           </a:xfrm>
           <a:prstGeom prst="rect">
             <a:avLst/>
           </a:prstGeom>
         </p:spPr>
       </p:pic>
+      <p:cxnSp>
+        <p:nvCxnSpPr>
+          <p:cNvPr id="7" name="직선 화살표 연결선 6"/>
+          <p:cNvCxnSpPr/>
+          <p:nvPr/>
+        </p:nvCxnSpPr>
+        <p:spPr>
+          <a:xfrm flipV="1">
+            <a:off x="3188043" y="2792627"/>
+            <a:ext cx="2734962" cy="345989"/>
+          </a:xfrm>
+          <a:prstGeom prst="straightConnector1">
+            <a:avLst/>
+          </a:prstGeom>
+          <a:ln>
+            <a:tailEnd type="triangle"/>
+          </a:ln>
+        </p:spPr>
+        <p:style>
+          <a:lnRef idx="1">
+            <a:schemeClr val="accent1"/>
+          </a:lnRef>
+          <a:fillRef idx="0">
+            <a:schemeClr val="accent1"/>
+          </a:fillRef>
+          <a:effectRef idx="0">
+            <a:schemeClr val="accent1"/>
+          </a:effectRef>
+          <a:fontRef idx="minor">
+            <a:schemeClr val="tx1"/>
+          </a:fontRef>
+        </p:style>
+      </p:cxnSp>
+      <p:sp>
+        <p:nvSpPr>
+          <p:cNvPr id="8" name="TextBox 7"/>
+          <p:cNvSpPr txBox="1"/>
+          <p:nvPr/>
+        </p:nvSpPr>
+        <p:spPr>
+          <a:xfrm>
+            <a:off x="5977158" y="2596289"/>
+            <a:ext cx="4471930" cy="369332"/>
+          </a:xfrm>
+          <a:prstGeom prst="rect">
+            <a:avLst/>
+          </a:prstGeom>
+          <a:noFill/>
+        </p:spPr>
+        <p:txBody>
+          <a:bodyPr wrap="none" rtlCol="0">
+            <a:spAutoFit/>
+          </a:bodyPr>
+          <a:lstStyle/>
+          <a:p>
+            <a:r>
+              <a:rPr lang="en-US" altLang="ko-KR" dirty="0" smtClean="0"/>
+              <a:t>ImageNet </a:t>
+            </a:r>
+            <a:r>
+              <a:rPr lang="en-US" altLang="ko-KR" dirty="0" err="1" smtClean="0"/>
+              <a:t>pretrainded</a:t>
+            </a:r>
+            <a:r>
+              <a:rPr lang="en-US" altLang="ko-KR" dirty="0" smtClean="0"/>
+              <a:t> parameter update</a:t>
+            </a:r>
+            <a:endParaRPr lang="ko-KR" altLang="en-US" dirty="0"/>
+          </a:p>
+        </p:txBody>
+      </p:sp>
       <p:pic>
         <p:nvPicPr>
-          <p:cNvPr id="5" name="그림 4"/>
+          <p:cNvPr id="4" name="그림 3"/>
           <p:cNvPicPr>
             <a:picLocks noChangeAspect="1"/>
           </p:cNvPicPr>
           <p:nvPr/>
         </p:nvPicPr>
-        <p:blipFill rotWithShape="1">
+        <p:blipFill>
           <a:blip r:embed="rId3"/>
-          <a:srcRect r="50438"/>
-          <a:stretch/>
+          <a:stretch>
+            <a:fillRect/>
+          </a:stretch>
         </p:blipFill>
         <p:spPr>
           <a:xfrm>
-            <a:off x="8240392" y="849449"/>
-            <a:ext cx="3230089" cy="1911554"/>
+            <a:off x="5533901" y="4639244"/>
+            <a:ext cx="6517204" cy="1911554"/>
           </a:xfrm>
           <a:prstGeom prst="rect">
             <a:avLst/>
           </a:prstGeom>
         </p:spPr>
       </p:pic>
+      <p:sp>
+        <p:nvSpPr>
+          <p:cNvPr id="9" name="TextBox 8"/>
+          <p:cNvSpPr txBox="1"/>
+          <p:nvPr/>
+        </p:nvSpPr>
+        <p:spPr>
+          <a:xfrm>
+            <a:off x="6897495" y="6488668"/>
+            <a:ext cx="1126847" cy="369332"/>
+          </a:xfrm>
+          <a:prstGeom prst="rect">
+            <a:avLst/>
+          </a:prstGeom>
+          <a:noFill/>
+        </p:spPr>
+        <p:txBody>
+          <a:bodyPr wrap="none" rtlCol="0">
+            <a:spAutoFit/>
+          </a:bodyPr>
+          <a:lstStyle/>
+          <a:p>
+            <a:r>
+              <a:rPr lang="en-US" altLang="ko-KR" dirty="0" err="1" smtClean="0"/>
+              <a:t>VGGBase</a:t>
+            </a:r>
+            <a:endParaRPr lang="ko-KR" altLang="en-US" dirty="0"/>
+          </a:p>
+        </p:txBody>
+      </p:sp>
+      <p:sp>
+        <p:nvSpPr>
+          <p:cNvPr id="10" name="TextBox 9"/>
+          <p:cNvSpPr txBox="1"/>
+          <p:nvPr/>
+        </p:nvSpPr>
+        <p:spPr>
+          <a:xfrm>
+            <a:off x="9176242" y="6488668"/>
+            <a:ext cx="1071512" cy="369332"/>
+          </a:xfrm>
+          <a:prstGeom prst="rect">
+            <a:avLst/>
+          </a:prstGeom>
+          <a:noFill/>
+        </p:spPr>
+        <p:txBody>
+          <a:bodyPr wrap="none" rtlCol="0">
+            <a:spAutoFit/>
+          </a:bodyPr>
+          <a:lstStyle/>
+          <a:p>
+            <a:r>
+              <a:rPr lang="en-US" altLang="ko-KR" dirty="0" smtClean="0"/>
+              <a:t>Auxiliary</a:t>
+            </a:r>
+            <a:endParaRPr lang="ko-KR" altLang="en-US" dirty="0"/>
+          </a:p>
+        </p:txBody>
+      </p:sp>
+      <p:sp>
+        <p:nvSpPr>
+          <p:cNvPr id="11" name="TextBox 10"/>
+          <p:cNvSpPr txBox="1"/>
+          <p:nvPr/>
+        </p:nvSpPr>
+        <p:spPr>
+          <a:xfrm>
+            <a:off x="10818044" y="6488668"/>
+            <a:ext cx="1229760" cy="369332"/>
+          </a:xfrm>
+          <a:prstGeom prst="rect">
+            <a:avLst/>
+          </a:prstGeom>
+          <a:noFill/>
+        </p:spPr>
+        <p:txBody>
+          <a:bodyPr wrap="none" rtlCol="0">
+            <a:spAutoFit/>
+          </a:bodyPr>
+          <a:lstStyle/>
+          <a:p>
+            <a:r>
+              <a:rPr lang="en-US" altLang="ko-KR" dirty="0" smtClean="0"/>
+              <a:t>Prediction</a:t>
+            </a:r>
+            <a:endParaRPr lang="ko-KR" altLang="en-US" dirty="0"/>
+          </a:p>
+        </p:txBody>
+      </p:sp>
     </p:spTree>
     <p:extLst>
       <p:ext uri="{BB962C8B-B14F-4D97-AF65-F5344CB8AC3E}">
-        <p14:creationId xmlns:p14="http://schemas.microsoft.com/office/powerpoint/2010/main" val="1172723297"/>
+        <p14:creationId xmlns:p14="http://schemas.microsoft.com/office/powerpoint/2010/main" val="1471056121"/>
       </p:ext>
     </p:extLst>
   </p:cSld>
@@ -3509,6 +5021,25 @@
       </p:grpSpPr>
       <p:sp>
         <p:nvSpPr>
+          <p:cNvPr id="2" name="제목 1"/>
+          <p:cNvSpPr>
+            <a:spLocks noGrp="1"/>
+          </p:cNvSpPr>
+          <p:nvPr>
+            <p:ph type="title"/>
+          </p:nvPr>
+        </p:nvSpPr>
+        <p:spPr/>
+        <p:txBody>
+          <a:bodyPr/>
+          <a:lstStyle/>
+          <a:p>
+            <a:endParaRPr lang="ko-KR" altLang="en-US"/>
+          </a:p>
+        </p:txBody>
+      </p:sp>
+      <p:sp>
+        <p:nvSpPr>
           <p:cNvPr id="3" name="내용 개체 틀 2"/>
           <p:cNvSpPr>
             <a:spLocks noGrp="1"/>
@@ -3542,8 +5073,8 @@
         </p:blipFill>
         <p:spPr>
           <a:xfrm>
-            <a:off x="476250" y="1228725"/>
-            <a:ext cx="11239500" cy="4400550"/>
+            <a:off x="604837" y="385762"/>
+            <a:ext cx="10982325" cy="6086475"/>
           </a:xfrm>
           <a:prstGeom prst="rect">
             <a:avLst/>
@@ -3560,13 +5091,13 @@
         </p:nvPicPr>
         <p:blipFill rotWithShape="1">
           <a:blip r:embed="rId3"/>
-          <a:srcRect l="49060" r="16046"/>
+          <a:srcRect r="50438"/>
           <a:stretch/>
         </p:blipFill>
         <p:spPr>
           <a:xfrm>
-            <a:off x="7837714" y="681037"/>
-            <a:ext cx="2274126" cy="1911554"/>
+            <a:off x="8240392" y="849449"/>
+            <a:ext cx="3230089" cy="1911554"/>
           </a:xfrm>
           <a:prstGeom prst="rect">
             <a:avLst/>
@@ -3576,7 +5107,7 @@
     </p:spTree>
     <p:extLst>
       <p:ext uri="{BB962C8B-B14F-4D97-AF65-F5344CB8AC3E}">
-        <p14:creationId xmlns:p14="http://schemas.microsoft.com/office/powerpoint/2010/main" val="1236254184"/>
+        <p14:creationId xmlns:p14="http://schemas.microsoft.com/office/powerpoint/2010/main" val="1172723297"/>
       </p:ext>
     </p:extLst>
   </p:cSld>
@@ -3603,6 +5134,25 @@
           <a:chExt cx="0" cy="0"/>
         </a:xfrm>
       </p:grpSpPr>
+      <p:sp>
+        <p:nvSpPr>
+          <p:cNvPr id="3" name="내용 개체 틀 2"/>
+          <p:cNvSpPr>
+            <a:spLocks noGrp="1"/>
+          </p:cNvSpPr>
+          <p:nvPr>
+            <p:ph idx="1"/>
+          </p:nvPr>
+        </p:nvSpPr>
+        <p:spPr/>
+        <p:txBody>
+          <a:bodyPr/>
+          <a:lstStyle/>
+          <a:p>
+            <a:endParaRPr lang="ko-KR" altLang="en-US"/>
+          </a:p>
+        </p:txBody>
+      </p:sp>
       <p:pic>
         <p:nvPicPr>
           <p:cNvPr id="4" name="그림 3"/>
@@ -3619,8 +5169,8 @@
         </p:blipFill>
         <p:spPr>
           <a:xfrm>
-            <a:off x="334241" y="580468"/>
-            <a:ext cx="9029700" cy="5210175"/>
+            <a:off x="476250" y="1228725"/>
+            <a:ext cx="11239500" cy="4400550"/>
           </a:xfrm>
           <a:prstGeom prst="rect">
             <a:avLst/>
@@ -3637,13 +5187,13 @@
         </p:nvPicPr>
         <p:blipFill rotWithShape="1">
           <a:blip r:embed="rId3"/>
-          <a:srcRect l="83910"/>
+          <a:srcRect l="49060" r="16046"/>
           <a:stretch/>
         </p:blipFill>
         <p:spPr>
           <a:xfrm>
-            <a:off x="9660577" y="580468"/>
-            <a:ext cx="1048616" cy="1911554"/>
+            <a:off x="7837714" y="681037"/>
+            <a:ext cx="2274126" cy="1911554"/>
           </a:xfrm>
           <a:prstGeom prst="rect">
             <a:avLst/>
@@ -3653,7 +5203,7 @@
     </p:spTree>
     <p:extLst>
       <p:ext uri="{BB962C8B-B14F-4D97-AF65-F5344CB8AC3E}">
-        <p14:creationId xmlns:p14="http://schemas.microsoft.com/office/powerpoint/2010/main" val="3342487867"/>
+        <p14:creationId xmlns:p14="http://schemas.microsoft.com/office/powerpoint/2010/main" val="1236254184"/>
       </p:ext>
     </p:extLst>
   </p:cSld>
@@ -3682,7 +5232,7 @@
       </p:grpSpPr>
       <p:pic>
         <p:nvPicPr>
-          <p:cNvPr id="5" name="그림 4"/>
+          <p:cNvPr id="4" name="그림 3"/>
           <p:cNvPicPr>
             <a:picLocks noChangeAspect="1"/>
           </p:cNvPicPr>
@@ -3696,8 +5246,8 @@
         </p:blipFill>
         <p:spPr>
           <a:xfrm>
-            <a:off x="491440" y="73830"/>
-            <a:ext cx="10499896" cy="3331825"/>
+            <a:off x="334241" y="580468"/>
+            <a:ext cx="9029700" cy="5210175"/>
           </a:xfrm>
           <a:prstGeom prst="rect">
             <a:avLst/>
@@ -3706,113 +5256,21 @@
       </p:pic>
       <p:pic>
         <p:nvPicPr>
-          <p:cNvPr id="6" name="그림 5"/>
+          <p:cNvPr id="5" name="그림 4"/>
           <p:cNvPicPr>
             <a:picLocks noChangeAspect="1"/>
           </p:cNvPicPr>
           <p:nvPr/>
         </p:nvPicPr>
-        <p:blipFill>
+        <p:blipFill rotWithShape="1">
           <a:blip r:embed="rId3"/>
-          <a:stretch>
-            <a:fillRect/>
-          </a:stretch>
+          <a:srcRect l="83910"/>
+          <a:stretch/>
         </p:blipFill>
         <p:spPr>
           <a:xfrm>
-            <a:off x="491440" y="3667123"/>
-            <a:ext cx="4833423" cy="2996597"/>
-          </a:xfrm>
-          <a:prstGeom prst="rect">
-            <a:avLst/>
-          </a:prstGeom>
-        </p:spPr>
-      </p:pic>
-      <p:cxnSp>
-        <p:nvCxnSpPr>
-          <p:cNvPr id="8" name="직선 화살표 연결선 7"/>
-          <p:cNvCxnSpPr/>
-          <p:nvPr/>
-        </p:nvCxnSpPr>
-        <p:spPr>
-          <a:xfrm flipV="1">
-            <a:off x="6845642" y="3248025"/>
-            <a:ext cx="1241083" cy="21326"/>
-          </a:xfrm>
-          <a:prstGeom prst="straightConnector1">
-            <a:avLst/>
-          </a:prstGeom>
-          <a:ln>
-            <a:tailEnd type="triangle"/>
-          </a:ln>
-        </p:spPr>
-        <p:style>
-          <a:lnRef idx="1">
-            <a:schemeClr val="accent1"/>
-          </a:lnRef>
-          <a:fillRef idx="0">
-            <a:schemeClr val="accent1"/>
-          </a:fillRef>
-          <a:effectRef idx="0">
-            <a:schemeClr val="accent1"/>
-          </a:effectRef>
-          <a:fontRef idx="minor">
-            <a:schemeClr val="tx1"/>
-          </a:fontRef>
-        </p:style>
-      </p:cxnSp>
-      <p:sp>
-        <p:nvSpPr>
-          <p:cNvPr id="9" name="TextBox 8"/>
-          <p:cNvSpPr txBox="1"/>
-          <p:nvPr/>
-        </p:nvSpPr>
-        <p:spPr>
-          <a:xfrm>
-            <a:off x="8143875" y="3084685"/>
-            <a:ext cx="1436612" cy="369332"/>
-          </a:xfrm>
-          <a:prstGeom prst="rect">
-            <a:avLst/>
-          </a:prstGeom>
-          <a:noFill/>
-        </p:spPr>
-        <p:txBody>
-          <a:bodyPr wrap="none" rtlCol="0">
-            <a:spAutoFit/>
-          </a:bodyPr>
-          <a:lstStyle/>
-          <a:p>
-            <a:r>
-              <a:rPr lang="en-US" altLang="ko-KR" dirty="0" err="1" smtClean="0"/>
-              <a:t>lr</a:t>
-            </a:r>
-            <a:r>
-              <a:rPr lang="en-US" altLang="ko-KR" dirty="0" smtClean="0"/>
-              <a:t> decay /10</a:t>
-            </a:r>
-            <a:endParaRPr lang="ko-KR" altLang="en-US" dirty="0"/>
-          </a:p>
-        </p:txBody>
-      </p:sp>
-      <p:pic>
-        <p:nvPicPr>
-          <p:cNvPr id="2" name="그림 1"/>
-          <p:cNvPicPr>
-            <a:picLocks noChangeAspect="1"/>
-          </p:cNvPicPr>
-          <p:nvPr/>
-        </p:nvPicPr>
-        <p:blipFill>
-          <a:blip r:embed="rId4"/>
-          <a:stretch>
-            <a:fillRect/>
-          </a:stretch>
-        </p:blipFill>
-        <p:spPr>
-          <a:xfrm>
-            <a:off x="6405563" y="233363"/>
-            <a:ext cx="5329184" cy="638176"/>
+            <a:off x="9660577" y="580468"/>
+            <a:ext cx="1048616" cy="1911554"/>
           </a:xfrm>
           <a:prstGeom prst="rect">
             <a:avLst/>
@@ -3822,7 +5280,7 @@
     </p:spTree>
     <p:extLst>
       <p:ext uri="{BB962C8B-B14F-4D97-AF65-F5344CB8AC3E}">
-        <p14:creationId xmlns:p14="http://schemas.microsoft.com/office/powerpoint/2010/main" val="2221327665"/>
+        <p14:creationId xmlns:p14="http://schemas.microsoft.com/office/powerpoint/2010/main" val="3342487867"/>
       </p:ext>
     </p:extLst>
   </p:cSld>
@@ -3851,7 +5309,7 @@
       </p:grpSpPr>
       <p:pic>
         <p:nvPicPr>
-          <p:cNvPr id="2" name="그림 1"/>
+          <p:cNvPr id="5" name="그림 4"/>
           <p:cNvPicPr>
             <a:picLocks noChangeAspect="1"/>
           </p:cNvPicPr>
@@ -3865,8 +5323,8 @@
         </p:blipFill>
         <p:spPr>
           <a:xfrm>
-            <a:off x="219694" y="640552"/>
-            <a:ext cx="5276850" cy="4667250"/>
+            <a:off x="491440" y="73830"/>
+            <a:ext cx="10499896" cy="3331825"/>
           </a:xfrm>
           <a:prstGeom prst="rect">
             <a:avLst/>
@@ -3875,7 +5333,7 @@
       </p:pic>
       <p:pic>
         <p:nvPicPr>
-          <p:cNvPr id="3" name="그림 2"/>
+          <p:cNvPr id="6" name="그림 5"/>
           <p:cNvPicPr>
             <a:picLocks noChangeAspect="1"/>
           </p:cNvPicPr>
@@ -3889,64 +5347,109 @@
         </p:blipFill>
         <p:spPr>
           <a:xfrm>
-            <a:off x="5822435" y="1381372"/>
-            <a:ext cx="7772399" cy="3520890"/>
+            <a:off x="491440" y="3667123"/>
+            <a:ext cx="4833423" cy="2996597"/>
           </a:xfrm>
           <a:prstGeom prst="rect">
             <a:avLst/>
           </a:prstGeom>
         </p:spPr>
       </p:pic>
-      <p:sp>
-        <p:nvSpPr>
-          <p:cNvPr id="4" name="직사각형 3"/>
-          <p:cNvSpPr/>
-          <p:nvPr/>
-        </p:nvSpPr>
-        <p:spPr>
-          <a:xfrm>
-            <a:off x="5896099" y="2505694"/>
-            <a:ext cx="1520041" cy="154379"/>
-          </a:xfrm>
-          <a:prstGeom prst="rect">
-            <a:avLst/>
-          </a:prstGeom>
-          <a:noFill/>
-          <a:ln w="19050">
-            <a:solidFill>
-              <a:srgbClr val="FF0000"/>
-            </a:solidFill>
+      <p:cxnSp>
+        <p:nvCxnSpPr>
+          <p:cNvPr id="8" name="직선 화살표 연결선 7"/>
+          <p:cNvCxnSpPr/>
+          <p:nvPr/>
+        </p:nvCxnSpPr>
+        <p:spPr>
+          <a:xfrm flipV="1">
+            <a:off x="6845642" y="3248025"/>
+            <a:ext cx="1241083" cy="21326"/>
+          </a:xfrm>
+          <a:prstGeom prst="straightConnector1">
+            <a:avLst/>
+          </a:prstGeom>
+          <a:ln>
+            <a:tailEnd type="triangle"/>
           </a:ln>
         </p:spPr>
         <p:style>
-          <a:lnRef idx="2">
-            <a:schemeClr val="accent1">
-              <a:shade val="50000"/>
-            </a:schemeClr>
+          <a:lnRef idx="1">
+            <a:schemeClr val="accent1"/>
           </a:lnRef>
-          <a:fillRef idx="1">
+          <a:fillRef idx="0">
             <a:schemeClr val="accent1"/>
           </a:fillRef>
           <a:effectRef idx="0">
             <a:schemeClr val="accent1"/>
           </a:effectRef>
           <a:fontRef idx="minor">
-            <a:schemeClr val="lt1"/>
+            <a:schemeClr val="tx1"/>
           </a:fontRef>
         </p:style>
-        <p:txBody>
-          <a:bodyPr rtlCol="0" anchor="ctr"/>
-          <a:lstStyle/>
-          <a:p>
-            <a:pPr algn="ctr"/>
-            <a:endParaRPr lang="ko-KR" altLang="en-US"/>
-          </a:p>
-        </p:txBody>
-      </p:sp>
+      </p:cxnSp>
+      <p:sp>
+        <p:nvSpPr>
+          <p:cNvPr id="9" name="TextBox 8"/>
+          <p:cNvSpPr txBox="1"/>
+          <p:nvPr/>
+        </p:nvSpPr>
+        <p:spPr>
+          <a:xfrm>
+            <a:off x="8143875" y="3084685"/>
+            <a:ext cx="1436612" cy="369332"/>
+          </a:xfrm>
+          <a:prstGeom prst="rect">
+            <a:avLst/>
+          </a:prstGeom>
+          <a:noFill/>
+        </p:spPr>
+        <p:txBody>
+          <a:bodyPr wrap="none" rtlCol="0">
+            <a:spAutoFit/>
+          </a:bodyPr>
+          <a:lstStyle/>
+          <a:p>
+            <a:r>
+              <a:rPr lang="en-US" altLang="ko-KR" dirty="0" err="1" smtClean="0"/>
+              <a:t>lr</a:t>
+            </a:r>
+            <a:r>
+              <a:rPr lang="en-US" altLang="ko-KR" dirty="0" smtClean="0"/>
+              <a:t> decay /10</a:t>
+            </a:r>
+            <a:endParaRPr lang="ko-KR" altLang="en-US" dirty="0"/>
+          </a:p>
+        </p:txBody>
+      </p:sp>
+      <p:pic>
+        <p:nvPicPr>
+          <p:cNvPr id="2" name="그림 1"/>
+          <p:cNvPicPr>
+            <a:picLocks noChangeAspect="1"/>
+          </p:cNvPicPr>
+          <p:nvPr/>
+        </p:nvPicPr>
+        <p:blipFill>
+          <a:blip r:embed="rId4"/>
+          <a:stretch>
+            <a:fillRect/>
+          </a:stretch>
+        </p:blipFill>
+        <p:spPr>
+          <a:xfrm>
+            <a:off x="6405563" y="233363"/>
+            <a:ext cx="5329184" cy="638176"/>
+          </a:xfrm>
+          <a:prstGeom prst="rect">
+            <a:avLst/>
+          </a:prstGeom>
+        </p:spPr>
+      </p:pic>
     </p:spTree>
     <p:extLst>
       <p:ext uri="{BB962C8B-B14F-4D97-AF65-F5344CB8AC3E}">
-        <p14:creationId xmlns:p14="http://schemas.microsoft.com/office/powerpoint/2010/main" val="2102692410"/>
+        <p14:creationId xmlns:p14="http://schemas.microsoft.com/office/powerpoint/2010/main" val="2221327665"/>
       </p:ext>
     </p:extLst>
   </p:cSld>
@@ -3975,7 +5478,7 @@
       </p:grpSpPr>
       <p:pic>
         <p:nvPicPr>
-          <p:cNvPr id="4" name="그림 3"/>
+          <p:cNvPr id="2" name="그림 1"/>
           <p:cNvPicPr>
             <a:picLocks noChangeAspect="1"/>
           </p:cNvPicPr>
@@ -3989,73 +5492,17 @@
         </p:blipFill>
         <p:spPr>
           <a:xfrm>
-            <a:off x="6231349" y="2242301"/>
-            <a:ext cx="4955393" cy="3176834"/>
+            <a:off x="219694" y="640552"/>
+            <a:ext cx="5276850" cy="4667250"/>
           </a:xfrm>
           <a:prstGeom prst="rect">
             <a:avLst/>
           </a:prstGeom>
         </p:spPr>
       </p:pic>
-      <p:sp>
-        <p:nvSpPr>
-          <p:cNvPr id="5" name="TextBox 4"/>
-          <p:cNvSpPr txBox="1"/>
-          <p:nvPr/>
-        </p:nvSpPr>
-        <p:spPr>
-          <a:xfrm>
-            <a:off x="575953" y="427512"/>
-            <a:ext cx="3988400" cy="923330"/>
-          </a:xfrm>
-          <a:prstGeom prst="rect">
-            <a:avLst/>
-          </a:prstGeom>
-          <a:noFill/>
-        </p:spPr>
-        <p:txBody>
-          <a:bodyPr wrap="none" rtlCol="0">
-            <a:spAutoFit/>
-          </a:bodyPr>
-          <a:lstStyle/>
-          <a:p>
-            <a:pPr marL="342900" indent="-342900">
-              <a:buAutoNum type="arabicPeriod"/>
-            </a:pPr>
-            <a:r>
-              <a:rPr lang="en-US" altLang="ko-KR" dirty="0" smtClean="0"/>
-              <a:t>K-means </a:t>
-            </a:r>
-            <a:r>
-              <a:rPr lang="en-US" altLang="ko-KR" dirty="0" err="1" smtClean="0"/>
-              <a:t>clusterting</a:t>
-            </a:r>
-            <a:r>
-              <a:rPr lang="en-US" altLang="ko-KR" dirty="0" smtClean="0"/>
-              <a:t> -&gt; network?</a:t>
-            </a:r>
-          </a:p>
-          <a:p>
-            <a:pPr marL="342900" indent="-342900">
-              <a:buAutoNum type="arabicPeriod"/>
-            </a:pPr>
-            <a:endParaRPr lang="en-US" altLang="ko-KR" dirty="0" smtClean="0"/>
-          </a:p>
-          <a:p>
-            <a:pPr marL="342900" indent="-342900">
-              <a:buAutoNum type="arabicPeriod"/>
-            </a:pPr>
-            <a:r>
-              <a:rPr lang="en-US" altLang="ko-KR" dirty="0" smtClean="0"/>
-              <a:t>NMS -&gt; network?</a:t>
-            </a:r>
-            <a:endParaRPr lang="ko-KR" altLang="en-US" dirty="0"/>
-          </a:p>
-        </p:txBody>
-      </p:sp>
       <p:pic>
         <p:nvPicPr>
-          <p:cNvPr id="6" name="그림 5"/>
+          <p:cNvPr id="3" name="그림 2"/>
           <p:cNvPicPr>
             <a:picLocks noChangeAspect="1"/>
           </p:cNvPicPr>
@@ -4069,7 +5516,256 @@
         </p:blipFill>
         <p:spPr>
           <a:xfrm>
-            <a:off x="878775" y="2061830"/>
+            <a:off x="5822435" y="1381372"/>
+            <a:ext cx="7772399" cy="3520890"/>
+          </a:xfrm>
+          <a:prstGeom prst="rect">
+            <a:avLst/>
+          </a:prstGeom>
+        </p:spPr>
+      </p:pic>
+      <p:sp>
+        <p:nvSpPr>
+          <p:cNvPr id="4" name="직사각형 3"/>
+          <p:cNvSpPr/>
+          <p:nvPr/>
+        </p:nvSpPr>
+        <p:spPr>
+          <a:xfrm>
+            <a:off x="5896099" y="2505694"/>
+            <a:ext cx="1520041" cy="154379"/>
+          </a:xfrm>
+          <a:prstGeom prst="rect">
+            <a:avLst/>
+          </a:prstGeom>
+          <a:noFill/>
+          <a:ln w="19050">
+            <a:solidFill>
+              <a:srgbClr val="FF0000"/>
+            </a:solidFill>
+          </a:ln>
+        </p:spPr>
+        <p:style>
+          <a:lnRef idx="2">
+            <a:schemeClr val="accent1">
+              <a:shade val="50000"/>
+            </a:schemeClr>
+          </a:lnRef>
+          <a:fillRef idx="1">
+            <a:schemeClr val="accent1"/>
+          </a:fillRef>
+          <a:effectRef idx="0">
+            <a:schemeClr val="accent1"/>
+          </a:effectRef>
+          <a:fontRef idx="minor">
+            <a:schemeClr val="lt1"/>
+          </a:fontRef>
+        </p:style>
+        <p:txBody>
+          <a:bodyPr rtlCol="0" anchor="ctr"/>
+          <a:lstStyle/>
+          <a:p>
+            <a:pPr algn="ctr"/>
+            <a:endParaRPr lang="ko-KR" altLang="en-US"/>
+          </a:p>
+        </p:txBody>
+      </p:sp>
+      <p:sp>
+        <p:nvSpPr>
+          <p:cNvPr id="5" name="직사각형 4"/>
+          <p:cNvSpPr/>
+          <p:nvPr/>
+        </p:nvSpPr>
+        <p:spPr>
+          <a:xfrm>
+            <a:off x="2935812" y="5071960"/>
+            <a:ext cx="517858" cy="184195"/>
+          </a:xfrm>
+          <a:prstGeom prst="rect">
+            <a:avLst/>
+          </a:prstGeom>
+          <a:noFill/>
+          <a:ln w="19050">
+            <a:solidFill>
+              <a:srgbClr val="FF0000"/>
+            </a:solidFill>
+          </a:ln>
+        </p:spPr>
+        <p:style>
+          <a:lnRef idx="2">
+            <a:schemeClr val="accent1">
+              <a:shade val="50000"/>
+            </a:schemeClr>
+          </a:lnRef>
+          <a:fillRef idx="1">
+            <a:schemeClr val="accent1"/>
+          </a:fillRef>
+          <a:effectRef idx="0">
+            <a:schemeClr val="accent1"/>
+          </a:effectRef>
+          <a:fontRef idx="minor">
+            <a:schemeClr val="lt1"/>
+          </a:fontRef>
+        </p:style>
+        <p:txBody>
+          <a:bodyPr rtlCol="0" anchor="ctr"/>
+          <a:lstStyle/>
+          <a:p>
+            <a:pPr algn="ctr"/>
+            <a:endParaRPr lang="ko-KR" altLang="en-US"/>
+          </a:p>
+        </p:txBody>
+      </p:sp>
+    </p:spTree>
+    <p:extLst>
+      <p:ext uri="{BB962C8B-B14F-4D97-AF65-F5344CB8AC3E}">
+        <p14:creationId xmlns:p14="http://schemas.microsoft.com/office/powerpoint/2010/main" val="2102692410"/>
+      </p:ext>
+    </p:extLst>
+  </p:cSld>
+  <p:clrMapOvr>
+    <a:masterClrMapping/>
+  </p:clrMapOvr>
+</p:sld>
+</file>
+
+<file path=ppt/slides/slide9.xml><?xml version="1.0" encoding="utf-8"?>
+<p:sld xmlns:a="http://schemas.openxmlformats.org/drawingml/2006/main" xmlns:r="http://schemas.openxmlformats.org/officeDocument/2006/relationships" xmlns:p="http://schemas.openxmlformats.org/presentationml/2006/main">
+  <p:cSld>
+    <p:spTree>
+      <p:nvGrpSpPr>
+        <p:cNvPr id="1" name=""/>
+        <p:cNvGrpSpPr/>
+        <p:nvPr/>
+      </p:nvGrpSpPr>
+      <p:grpSpPr>
+        <a:xfrm>
+          <a:off x="0" y="0"/>
+          <a:ext cx="0" cy="0"/>
+          <a:chOff x="0" y="0"/>
+          <a:chExt cx="0" cy="0"/>
+        </a:xfrm>
+      </p:grpSpPr>
+      <p:pic>
+        <p:nvPicPr>
+          <p:cNvPr id="4" name="그림 3"/>
+          <p:cNvPicPr>
+            <a:picLocks noChangeAspect="1"/>
+          </p:cNvPicPr>
+          <p:nvPr/>
+        </p:nvPicPr>
+        <p:blipFill>
+          <a:blip r:embed="rId2"/>
+          <a:stretch>
+            <a:fillRect/>
+          </a:stretch>
+        </p:blipFill>
+        <p:spPr>
+          <a:xfrm>
+            <a:off x="6148222" y="2568873"/>
+            <a:ext cx="4955393" cy="3176834"/>
+          </a:xfrm>
+          <a:prstGeom prst="rect">
+            <a:avLst/>
+          </a:prstGeom>
+        </p:spPr>
+      </p:pic>
+      <p:sp>
+        <p:nvSpPr>
+          <p:cNvPr id="5" name="TextBox 4"/>
+          <p:cNvSpPr txBox="1"/>
+          <p:nvPr/>
+        </p:nvSpPr>
+        <p:spPr>
+          <a:xfrm>
+            <a:off x="575953" y="427512"/>
+            <a:ext cx="5026697" cy="1477328"/>
+          </a:xfrm>
+          <a:prstGeom prst="rect">
+            <a:avLst/>
+          </a:prstGeom>
+          <a:noFill/>
+        </p:spPr>
+        <p:txBody>
+          <a:bodyPr wrap="none" rtlCol="0">
+            <a:spAutoFit/>
+          </a:bodyPr>
+          <a:lstStyle/>
+          <a:p>
+            <a:pPr marL="342900" indent="-342900">
+              <a:buAutoNum type="arabicPeriod"/>
+            </a:pPr>
+            <a:r>
+              <a:rPr lang="en-US" altLang="ko-KR" dirty="0" smtClean="0"/>
+              <a:t>K-means clustering -&gt; network?</a:t>
+            </a:r>
+          </a:p>
+          <a:p>
+            <a:pPr marL="342900" indent="-342900">
+              <a:buAutoNum type="arabicPeriod"/>
+            </a:pPr>
+            <a:endParaRPr lang="en-US" altLang="ko-KR" dirty="0" smtClean="0"/>
+          </a:p>
+          <a:p>
+            <a:pPr marL="342900" indent="-342900">
+              <a:buAutoNum type="arabicPeriod"/>
+            </a:pPr>
+            <a:r>
+              <a:rPr lang="en-US" altLang="ko-KR" dirty="0" smtClean="0"/>
+              <a:t>NMS -&gt; network?</a:t>
+            </a:r>
+          </a:p>
+          <a:p>
+            <a:pPr marL="342900" indent="-342900">
+              <a:buAutoNum type="arabicPeriod"/>
+            </a:pPr>
+            <a:endParaRPr lang="en-US" altLang="ko-KR" dirty="0"/>
+          </a:p>
+          <a:p>
+            <a:pPr marL="342900" indent="-342900">
+              <a:buAutoNum type="arabicPeriod"/>
+            </a:pPr>
+            <a:r>
+              <a:rPr lang="en-US" altLang="ko-KR" dirty="0" smtClean="0"/>
+              <a:t>Deconvolution network </a:t>
+            </a:r>
+            <a:r>
+              <a:rPr lang="ko-KR" altLang="en-US" dirty="0" smtClean="0"/>
+              <a:t>개선 </a:t>
+            </a:r>
+            <a:r>
+              <a:rPr lang="en-US" altLang="ko-KR" dirty="0" smtClean="0"/>
+              <a:t>(parallel </a:t>
+            </a:r>
+            <a:r>
+              <a:rPr lang="ko-KR" altLang="en-US" dirty="0" smtClean="0"/>
+              <a:t>구조</a:t>
+            </a:r>
+            <a:r>
+              <a:rPr lang="en-US" altLang="ko-KR" dirty="0" smtClean="0"/>
+              <a:t>)</a:t>
+            </a:r>
+            <a:endParaRPr lang="ko-KR" altLang="en-US" dirty="0"/>
+          </a:p>
+        </p:txBody>
+      </p:sp>
+      <p:pic>
+        <p:nvPicPr>
+          <p:cNvPr id="6" name="그림 5"/>
+          <p:cNvPicPr>
+            <a:picLocks noChangeAspect="1"/>
+          </p:cNvPicPr>
+          <p:nvPr/>
+        </p:nvPicPr>
+        <p:blipFill>
+          <a:blip r:embed="rId3"/>
+          <a:stretch>
+            <a:fillRect/>
+          </a:stretch>
+        </p:blipFill>
+        <p:spPr>
+          <a:xfrm>
+            <a:off x="908464" y="2299337"/>
             <a:ext cx="3934766" cy="3537776"/>
           </a:xfrm>
           <a:prstGeom prst="rect">
